--- a/プロジェクト開発演習発表用.pptx
+++ b/プロジェクト開発演習発表用.pptx
@@ -5,7 +5,7 @@
     <p:sldMasterId id="2147483648" r:id="rId4"/>
   </p:sldMasterIdLst>
   <p:notesMasterIdLst>
-    <p:notesMasterId r:id="rId15"/>
+    <p:notesMasterId r:id="rId16"/>
   </p:notesMasterIdLst>
   <p:sldIdLst>
     <p:sldId id="267" r:id="rId5"/>
@@ -13,11 +13,12 @@
     <p:sldId id="269" r:id="rId7"/>
     <p:sldId id="270" r:id="rId8"/>
     <p:sldId id="271" r:id="rId9"/>
-    <p:sldId id="273" r:id="rId10"/>
-    <p:sldId id="274" r:id="rId11"/>
-    <p:sldId id="275" r:id="rId12"/>
-    <p:sldId id="276" r:id="rId13"/>
-    <p:sldId id="277" r:id="rId14"/>
+    <p:sldId id="272" r:id="rId10"/>
+    <p:sldId id="273" r:id="rId11"/>
+    <p:sldId id="274" r:id="rId12"/>
+    <p:sldId id="275" r:id="rId13"/>
+    <p:sldId id="276" r:id="rId14"/>
+    <p:sldId id="277" r:id="rId15"/>
   </p:sldIdLst>
   <p:sldSz cx="12192000" cy="6858000"/>
   <p:notesSz cx="6858000" cy="9144000"/>
@@ -126,6 +127,7 @@
             <p14:sldId id="269"/>
             <p14:sldId id="270"/>
             <p14:sldId id="271"/>
+            <p14:sldId id="272"/>
             <p14:sldId id="273"/>
             <p14:sldId id="274"/>
             <p14:sldId id="275"/>
@@ -147,166 +149,8 @@
   <p1510:revLst>
     <p1510:client id="{38946A58-83F6-4E67-8CA2-CE9BCBF4A36C}" v="196" dt="2020-08-18T00:51:50.603"/>
     <p1510:client id="{62C44E9A-B3A0-4245-9A3D-99B977F39CF2}" v="12" dt="2020-08-17T04:47:27.486"/>
-    <p1510:client id="{DEDEA115-A88D-43D3-A333-DB754F4C1789}" v="1" dt="2020-08-20T01:51:14.716"/>
   </p1510:revLst>
 </p1510:revInfo>
-</file>
-
-<file path=ppt/changesInfos/changesInfo1.xml><?xml version="1.0" encoding="utf-8"?>
-<pc:chgInfo xmlns:a="http://schemas.openxmlformats.org/drawingml/2006/main" xmlns:r="http://schemas.openxmlformats.org/officeDocument/2006/relationships" xmlns:ac="http://schemas.microsoft.com/office/drawing/2013/main/command" xmlns:pc="http://schemas.microsoft.com/office/powerpoint/2013/main/command">
-  <pc:docChgLst>
-    <pc:chgData name="山口 文加" userId="S::1801033@s.asojuku.ac.jp::33518916-0041-4882-9b89-81dfef3c3983" providerId="AD" clId="Web-{62C44E9A-B3A0-4245-9A3D-99B977F39CF2}"/>
-    <pc:docChg chg="modSld">
-      <pc:chgData name="山口 文加" userId="S::1801033@s.asojuku.ac.jp::33518916-0041-4882-9b89-81dfef3c3983" providerId="AD" clId="Web-{62C44E9A-B3A0-4245-9A3D-99B977F39CF2}" dt="2020-08-17T04:47:27.486" v="11" actId="20577"/>
-      <pc:docMkLst>
-        <pc:docMk/>
-      </pc:docMkLst>
-      <pc:sldChg chg="modSp">
-        <pc:chgData name="山口 文加" userId="S::1801033@s.asojuku.ac.jp::33518916-0041-4882-9b89-81dfef3c3983" providerId="AD" clId="Web-{62C44E9A-B3A0-4245-9A3D-99B977F39CF2}" dt="2020-08-17T04:47:27.486" v="10" actId="20577"/>
-        <pc:sldMkLst>
-          <pc:docMk/>
-          <pc:sldMk cId="2383346228" sldId="273"/>
-        </pc:sldMkLst>
-        <pc:spChg chg="mod">
-          <ac:chgData name="山口 文加" userId="S::1801033@s.asojuku.ac.jp::33518916-0041-4882-9b89-81dfef3c3983" providerId="AD" clId="Web-{62C44E9A-B3A0-4245-9A3D-99B977F39CF2}" dt="2020-08-17T04:47:27.486" v="10" actId="20577"/>
-          <ac:spMkLst>
-            <pc:docMk/>
-            <pc:sldMk cId="2383346228" sldId="273"/>
-            <ac:spMk id="25" creationId="{5AB74C14-C595-4DE0-A824-1B9F6D885EF3}"/>
-          </ac:spMkLst>
-        </pc:spChg>
-      </pc:sldChg>
-    </pc:docChg>
-  </pc:docChgLst>
-  <pc:docChgLst>
-    <pc:chgData name="山口 文加" userId="S::1801033@s.asojuku.ac.jp::33518916-0041-4882-9b89-81dfef3c3983" providerId="AD" clId="Web-{DEDEA115-A88D-43D3-A333-DB754F4C1789}"/>
-    <pc:docChg chg="delSld modSection">
-      <pc:chgData name="山口 文加" userId="S::1801033@s.asojuku.ac.jp::33518916-0041-4882-9b89-81dfef3c3983" providerId="AD" clId="Web-{DEDEA115-A88D-43D3-A333-DB754F4C1789}" dt="2020-08-20T01:51:14.716" v="0"/>
-      <pc:docMkLst>
-        <pc:docMk/>
-      </pc:docMkLst>
-      <pc:sldChg chg="del">
-        <pc:chgData name="山口 文加" userId="S::1801033@s.asojuku.ac.jp::33518916-0041-4882-9b89-81dfef3c3983" providerId="AD" clId="Web-{DEDEA115-A88D-43D3-A333-DB754F4C1789}" dt="2020-08-20T01:51:14.716" v="0"/>
-        <pc:sldMkLst>
-          <pc:docMk/>
-          <pc:sldMk cId="614373505" sldId="272"/>
-        </pc:sldMkLst>
-      </pc:sldChg>
-    </pc:docChg>
-  </pc:docChgLst>
-  <pc:docChgLst>
-    <pc:chgData name="山口 文加" userId="S::1801033@s.asojuku.ac.jp::33518916-0041-4882-9b89-81dfef3c3983" providerId="AD" clId="Web-{38946A58-83F6-4E67-8CA2-CE9BCBF4A36C}"/>
-    <pc:docChg chg="modSld">
-      <pc:chgData name="山口 文加" userId="S::1801033@s.asojuku.ac.jp::33518916-0041-4882-9b89-81dfef3c3983" providerId="AD" clId="Web-{38946A58-83F6-4E67-8CA2-CE9BCBF4A36C}" dt="2020-08-18T00:51:50.603" v="728" actId="1076"/>
-      <pc:docMkLst>
-        <pc:docMk/>
-      </pc:docMkLst>
-      <pc:sldChg chg="modNotes">
-        <pc:chgData name="山口 文加" userId="S::1801033@s.asojuku.ac.jp::33518916-0041-4882-9b89-81dfef3c3983" providerId="AD" clId="Web-{38946A58-83F6-4E67-8CA2-CE9BCBF4A36C}" dt="2020-08-18T00:50:32.979" v="718"/>
-        <pc:sldMkLst>
-          <pc:docMk/>
-          <pc:sldMk cId="1986005667" sldId="268"/>
-        </pc:sldMkLst>
-      </pc:sldChg>
-      <pc:sldChg chg="modSp">
-        <pc:chgData name="山口 文加" userId="S::1801033@s.asojuku.ac.jp::33518916-0041-4882-9b89-81dfef3c3983" providerId="AD" clId="Web-{38946A58-83F6-4E67-8CA2-CE9BCBF4A36C}" dt="2020-08-18T00:08:34.665" v="0" actId="688"/>
-        <pc:sldMkLst>
-          <pc:docMk/>
-          <pc:sldMk cId="4013928477" sldId="269"/>
-        </pc:sldMkLst>
-        <pc:spChg chg="mod">
-          <ac:chgData name="山口 文加" userId="S::1801033@s.asojuku.ac.jp::33518916-0041-4882-9b89-81dfef3c3983" providerId="AD" clId="Web-{38946A58-83F6-4E67-8CA2-CE9BCBF4A36C}" dt="2020-08-18T00:08:34.665" v="0" actId="688"/>
-          <ac:spMkLst>
-            <pc:docMk/>
-            <pc:sldMk cId="4013928477" sldId="269"/>
-            <ac:spMk id="6" creationId="{84A76937-7CA2-4D5D-9D0B-15FDB1BA7CC4}"/>
-          </ac:spMkLst>
-        </pc:spChg>
-      </pc:sldChg>
-      <pc:sldChg chg="modSp modNotes">
-        <pc:chgData name="山口 文加" userId="S::1801033@s.asojuku.ac.jp::33518916-0041-4882-9b89-81dfef3c3983" providerId="AD" clId="Web-{38946A58-83F6-4E67-8CA2-CE9BCBF4A36C}" dt="2020-08-18T00:11:38.179" v="20" actId="20577"/>
-        <pc:sldMkLst>
-          <pc:docMk/>
-          <pc:sldMk cId="654448116" sldId="270"/>
-        </pc:sldMkLst>
-        <pc:spChg chg="mod">
-          <ac:chgData name="山口 文加" userId="S::1801033@s.asojuku.ac.jp::33518916-0041-4882-9b89-81dfef3c3983" providerId="AD" clId="Web-{38946A58-83F6-4E67-8CA2-CE9BCBF4A36C}" dt="2020-08-18T00:11:38.179" v="20" actId="20577"/>
-          <ac:spMkLst>
-            <pc:docMk/>
-            <pc:sldMk cId="654448116" sldId="270"/>
-            <ac:spMk id="3" creationId="{5A672911-B18A-4122-8B63-C97CC0561B03}"/>
-          </ac:spMkLst>
-        </pc:spChg>
-      </pc:sldChg>
-      <pc:sldChg chg="modSp modNotes">
-        <pc:chgData name="山口 文加" userId="S::1801033@s.asojuku.ac.jp::33518916-0041-4882-9b89-81dfef3c3983" providerId="AD" clId="Web-{38946A58-83F6-4E67-8CA2-CE9BCBF4A36C}" dt="2020-08-18T00:51:50.603" v="728" actId="1076"/>
-        <pc:sldMkLst>
-          <pc:docMk/>
-          <pc:sldMk cId="1036741767" sldId="271"/>
-        </pc:sldMkLst>
-        <pc:spChg chg="mod">
-          <ac:chgData name="山口 文加" userId="S::1801033@s.asojuku.ac.jp::33518916-0041-4882-9b89-81dfef3c3983" providerId="AD" clId="Web-{38946A58-83F6-4E67-8CA2-CE9BCBF4A36C}" dt="2020-08-18T00:51:50.603" v="728" actId="1076"/>
-          <ac:spMkLst>
-            <pc:docMk/>
-            <pc:sldMk cId="1036741767" sldId="271"/>
-            <ac:spMk id="5" creationId="{BEFF3832-0430-488F-8BAC-B9809384A19C}"/>
-          </ac:spMkLst>
-        </pc:spChg>
-      </pc:sldChg>
-      <pc:sldChg chg="modNotes">
-        <pc:chgData name="山口 文加" userId="S::1801033@s.asojuku.ac.jp::33518916-0041-4882-9b89-81dfef3c3983" providerId="AD" clId="Web-{38946A58-83F6-4E67-8CA2-CE9BCBF4A36C}" dt="2020-08-18T00:20:06.692" v="187"/>
-        <pc:sldMkLst>
-          <pc:docMk/>
-          <pc:sldMk cId="2383346228" sldId="273"/>
-        </pc:sldMkLst>
-      </pc:sldChg>
-      <pc:sldChg chg="modNotes">
-        <pc:chgData name="山口 文加" userId="S::1801033@s.asojuku.ac.jp::33518916-0041-4882-9b89-81dfef3c3983" providerId="AD" clId="Web-{38946A58-83F6-4E67-8CA2-CE9BCBF4A36C}" dt="2020-08-18T00:21:55.207" v="194"/>
-        <pc:sldMkLst>
-          <pc:docMk/>
-          <pc:sldMk cId="683103669" sldId="274"/>
-        </pc:sldMkLst>
-      </pc:sldChg>
-      <pc:sldChg chg="modSp modNotes">
-        <pc:chgData name="山口 文加" userId="S::1801033@s.asojuku.ac.jp::33518916-0041-4882-9b89-81dfef3c3983" providerId="AD" clId="Web-{38946A58-83F6-4E67-8CA2-CE9BCBF4A36C}" dt="2020-08-18T00:36:17.890" v="475"/>
-        <pc:sldMkLst>
-          <pc:docMk/>
-          <pc:sldMk cId="3427737051" sldId="275"/>
-        </pc:sldMkLst>
-        <pc:spChg chg="mod">
-          <ac:chgData name="山口 文加" userId="S::1801033@s.asojuku.ac.jp::33518916-0041-4882-9b89-81dfef3c3983" providerId="AD" clId="Web-{38946A58-83F6-4E67-8CA2-CE9BCBF4A36C}" dt="2020-08-18T00:35:47.546" v="471" actId="20577"/>
-          <ac:spMkLst>
-            <pc:docMk/>
-            <pc:sldMk cId="3427737051" sldId="275"/>
-            <ac:spMk id="2" creationId="{E5A99874-CD90-43C4-B479-8B01FBD1639B}"/>
-          </ac:spMkLst>
-        </pc:spChg>
-      </pc:sldChg>
-      <pc:sldChg chg="modSp modNotes">
-        <pc:chgData name="山口 文加" userId="S::1801033@s.asojuku.ac.jp::33518916-0041-4882-9b89-81dfef3c3983" providerId="AD" clId="Web-{38946A58-83F6-4E67-8CA2-CE9BCBF4A36C}" dt="2020-08-18T00:49:52.401" v="714"/>
-        <pc:sldMkLst>
-          <pc:docMk/>
-          <pc:sldMk cId="3435611388" sldId="276"/>
-        </pc:sldMkLst>
-        <pc:spChg chg="mod">
-          <ac:chgData name="山口 文加" userId="S::1801033@s.asojuku.ac.jp::33518916-0041-4882-9b89-81dfef3c3983" providerId="AD" clId="Web-{38946A58-83F6-4E67-8CA2-CE9BCBF4A36C}" dt="2020-08-18T00:48:59.682" v="705" actId="20577"/>
-          <ac:spMkLst>
-            <pc:docMk/>
-            <pc:sldMk cId="3435611388" sldId="276"/>
-            <ac:spMk id="3" creationId="{164A2AE4-02E5-445C-9B89-786707DA4288}"/>
-          </ac:spMkLst>
-        </pc:spChg>
-      </pc:sldChg>
-      <pc:sldChg chg="modNotes">
-        <pc:chgData name="山口 文加" userId="S::1801033@s.asojuku.ac.jp::33518916-0041-4882-9b89-81dfef3c3983" providerId="AD" clId="Web-{38946A58-83F6-4E67-8CA2-CE9BCBF4A36C}" dt="2020-08-18T00:50:24.104" v="717"/>
-        <pc:sldMkLst>
-          <pc:docMk/>
-          <pc:sldMk cId="575548544" sldId="277"/>
-        </pc:sldMkLst>
-      </pc:sldChg>
-    </pc:docChg>
-  </pc:docChgLst>
-</pc:chgInfo>
 </file>
 
 <file path=ppt/notesMasters/notesMaster1.xml><?xml version="1.0" encoding="utf-8"?>
@@ -840,6 +684,286 @@
           <a:lstStyle/>
           <a:p>
             <a:r>
+              <a:rPr lang="ja-JP">
+                <a:ea typeface="游ゴシック"/>
+              </a:rPr>
+              <a:t>進展</a:t>
+            </a:r>
+            <a:endParaRPr lang="en-US" altLang="ja-JP" dirty="0">
+              <a:ea typeface="游ゴシック"/>
+            </a:endParaRPr>
+          </a:p>
+          <a:p>
+            <a:r>
+              <a:rPr lang="ja-JP">
+                <a:ea typeface="游ゴシック"/>
+              </a:rPr>
+              <a:t>・予算や数、箱などを入力してケーキの数や種類を絞ってくれる機能など　の追加でさらに店員の負担を減らせるにする</a:t>
+            </a:r>
+            <a:endParaRPr lang="en-US" altLang="ja-JP" dirty="0">
+              <a:ea typeface="游ゴシック"/>
+            </a:endParaRPr>
+          </a:p>
+          <a:p>
+            <a:r>
+              <a:rPr lang="ja-JP">
+                <a:ea typeface="游ゴシック"/>
+              </a:rPr>
+              <a:t>・減ってきた商品を告知してすぐに補充できるようにする</a:t>
+            </a:r>
+          </a:p>
+          <a:p>
+            <a:r>
+              <a:rPr lang="ja-JP">
+                <a:ea typeface="游ゴシック"/>
+              </a:rPr>
+              <a:t>・よく売れる時間帯なども記録しケーキの廃棄数を減らす</a:t>
+            </a:r>
+            <a:endParaRPr lang="en-US" altLang="ja-JP" dirty="0">
+              <a:ea typeface="游ゴシック"/>
+            </a:endParaRPr>
+          </a:p>
+          <a:p>
+            <a:r>
+              <a:rPr lang="ja-JP">
+                <a:ea typeface="游ゴシック"/>
+              </a:rPr>
+              <a:t>・予約情報なども管理できるようにすれば材料の発注数を簡単に管理できる</a:t>
+            </a:r>
+          </a:p>
+          <a:p>
+            <a:endParaRPr lang="ja-JP" dirty="0">
+              <a:latin typeface="游ゴシック"/>
+              <a:ea typeface="游ゴシック"/>
+              <a:cs typeface="Calibri"/>
+            </a:endParaRPr>
+          </a:p>
+          <a:p>
+            <a:r>
+              <a:rPr lang="en-US" altLang="ja-JP" dirty="0">
+                <a:ea typeface="游ゴシック"/>
+              </a:rPr>
+              <a:t>--- </a:t>
+            </a:r>
+            <a:r>
+              <a:rPr lang="ja-JP">
+                <a:ea typeface="游ゴシック"/>
+              </a:rPr>
+              <a:t>変更案</a:t>
+            </a:r>
+            <a:r>
+              <a:rPr lang="en-US" altLang="ja-JP" dirty="0">
+                <a:ea typeface="游ゴシック"/>
+              </a:rPr>
+              <a:t> ---</a:t>
+            </a:r>
+            <a:endParaRPr lang="ja-JP">
+              <a:ea typeface="游ゴシック"/>
+            </a:endParaRPr>
+          </a:p>
+          <a:p>
+            <a:r>
+              <a:rPr lang="en-US" altLang="ja-JP" dirty="0" err="1">
+                <a:latin typeface="Calibri"/>
+                <a:ea typeface="游ゴシック"/>
+                <a:cs typeface="Calibri"/>
+              </a:rPr>
+              <a:t>今後の展望としてあげられるのは</a:t>
+            </a:r>
+            <a:r>
+              <a:rPr lang="en-US" altLang="ja-JP" dirty="0">
+                <a:latin typeface="Calibri"/>
+                <a:ea typeface="游ゴシック"/>
+                <a:cs typeface="Calibri"/>
+              </a:rPr>
+              <a:t>、</a:t>
+            </a:r>
+            <a:endParaRPr lang="en-US" altLang="ja-JP" dirty="0">
+              <a:latin typeface="Calibri"/>
+              <a:ea typeface="游ゴシック" panose="020B0400000000000000" pitchFamily="34" charset="-128"/>
+              <a:cs typeface="Calibri"/>
+            </a:endParaRPr>
+          </a:p>
+          <a:p>
+            <a:r>
+              <a:rPr lang="en-US" altLang="ja-JP" dirty="0">
+                <a:latin typeface="Calibri"/>
+                <a:ea typeface="游ゴシック"/>
+                <a:cs typeface="Calibri"/>
+              </a:rPr>
+              <a:t>①</a:t>
+            </a:r>
+            <a:r>
+              <a:rPr lang="en-US" altLang="ja-JP" dirty="0" err="1">
+                <a:latin typeface="Calibri"/>
+                <a:ea typeface="游ゴシック"/>
+                <a:cs typeface="Calibri"/>
+              </a:rPr>
+              <a:t>顧客からの要望をもとに商品提案の機能を実装して、店員さんの負担減をはかる</a:t>
+            </a:r>
+            <a:endParaRPr lang="en-US" altLang="ja-JP" dirty="0">
+              <a:latin typeface="Calibri"/>
+              <a:ea typeface="游ゴシック"/>
+              <a:cs typeface="Calibri"/>
+            </a:endParaRPr>
+          </a:p>
+          <a:p>
+            <a:r>
+              <a:rPr lang="en-US" altLang="ja-JP" dirty="0">
+                <a:latin typeface="Calibri"/>
+                <a:ea typeface="游ゴシック"/>
+                <a:cs typeface="Calibri"/>
+              </a:rPr>
+              <a:t>②</a:t>
+            </a:r>
+            <a:r>
+              <a:rPr lang="en-US" altLang="ja-JP" dirty="0" err="1">
+                <a:latin typeface="Calibri"/>
+                <a:ea typeface="游ゴシック"/>
+                <a:cs typeface="Calibri"/>
+              </a:rPr>
+              <a:t>商品在庫が少ない商品の告知機能を実装して、迅速な商品補充を実現</a:t>
+            </a:r>
+            <a:endParaRPr lang="en-US" altLang="ja-JP" dirty="0">
+              <a:latin typeface="Calibri"/>
+              <a:ea typeface="游ゴシック"/>
+              <a:cs typeface="Calibri"/>
+            </a:endParaRPr>
+          </a:p>
+          <a:p>
+            <a:r>
+              <a:rPr lang="en-US" altLang="ja-JP" dirty="0">
+                <a:latin typeface="Calibri"/>
+                <a:ea typeface="游ゴシック"/>
+                <a:cs typeface="Calibri"/>
+              </a:rPr>
+              <a:t>③</a:t>
+            </a:r>
+            <a:r>
+              <a:rPr lang="en-US" altLang="ja-JP" dirty="0" err="1">
+                <a:latin typeface="Calibri"/>
+                <a:ea typeface="游ゴシック"/>
+                <a:cs typeface="Calibri"/>
+              </a:rPr>
+              <a:t>時間帯ごとの売上を記録する機能を実装して</a:t>
+            </a:r>
+            <a:r>
+              <a:rPr lang="en-US" altLang="ja-JP" dirty="0">
+                <a:latin typeface="Calibri"/>
+                <a:ea typeface="游ゴシック"/>
+                <a:cs typeface="Calibri"/>
+              </a:rPr>
+              <a:t>、</a:t>
+            </a:r>
+            <a:r>
+              <a:rPr lang="ja-JP" altLang="en-US">
+                <a:ea typeface="游ゴシック"/>
+              </a:rPr>
+              <a:t>売上商品数を参考に商品の廃棄数減を図る</a:t>
+            </a:r>
+          </a:p>
+          <a:p>
+            <a:r>
+              <a:rPr lang="ja-JP" altLang="en-US">
+                <a:ea typeface="游ゴシック"/>
+              </a:rPr>
+              <a:t>④予約情報の管理機能を実装して、材料の発注管理を容易にする</a:t>
+            </a:r>
+          </a:p>
+          <a:p>
+            <a:r>
+              <a:rPr lang="ja-JP" altLang="en-US">
+                <a:ea typeface="游ゴシック"/>
+              </a:rPr>
+              <a:t>の4つです。</a:t>
+            </a:r>
+            <a:endParaRPr lang="ja-JP" altLang="en-US" dirty="0">
+              <a:ea typeface="游ゴシック"/>
+            </a:endParaRPr>
+          </a:p>
+        </p:txBody>
+      </p:sp>
+      <p:sp>
+        <p:nvSpPr>
+          <p:cNvPr id="4" name="スライド番号プレースホルダー 3"/>
+          <p:cNvSpPr>
+            <a:spLocks noGrp="1"/>
+          </p:cNvSpPr>
+          <p:nvPr>
+            <p:ph type="sldNum" sz="quarter" idx="5"/>
+          </p:nvPr>
+        </p:nvSpPr>
+        <p:spPr/>
+        <p:txBody>
+          <a:bodyPr/>
+          <a:lstStyle/>
+          <a:p>
+            <a:fld id="{2BD5DED0-3A08-46E3-945B-1C93FD8D8A5F}" type="slidenum">
+              <a:rPr kumimoji="1" lang="en-US" altLang="ja-JP"/>
+              <a:t>10</a:t>
+            </a:fld>
+            <a:endParaRPr kumimoji="1" lang="ja-JP" altLang="en-US"/>
+          </a:p>
+        </p:txBody>
+      </p:sp>
+    </p:spTree>
+    <p:extLst>
+      <p:ext uri="{BB962C8B-B14F-4D97-AF65-F5344CB8AC3E}">
+        <p14:creationId xmlns:p14="http://schemas.microsoft.com/office/powerpoint/2010/main" val="154146495"/>
+      </p:ext>
+    </p:extLst>
+  </p:cSld>
+  <p:clrMapOvr>
+    <a:masterClrMapping/>
+  </p:clrMapOvr>
+</p:notes>
+</file>
+
+<file path=ppt/notesSlides/notesSlide11.xml><?xml version="1.0" encoding="utf-8"?>
+<p:notes xmlns:a="http://schemas.openxmlformats.org/drawingml/2006/main" xmlns:r="http://schemas.openxmlformats.org/officeDocument/2006/relationships" xmlns:p="http://schemas.openxmlformats.org/presentationml/2006/main">
+  <p:cSld>
+    <p:spTree>
+      <p:nvGrpSpPr>
+        <p:cNvPr id="1" name=""/>
+        <p:cNvGrpSpPr/>
+        <p:nvPr/>
+      </p:nvGrpSpPr>
+      <p:grpSpPr>
+        <a:xfrm>
+          <a:off x="0" y="0"/>
+          <a:ext cx="0" cy="0"/>
+          <a:chOff x="0" y="0"/>
+          <a:chExt cx="0" cy="0"/>
+        </a:xfrm>
+      </p:grpSpPr>
+      <p:sp>
+        <p:nvSpPr>
+          <p:cNvPr id="2" name="スライド イメージ プレースホルダー 1"/>
+          <p:cNvSpPr>
+            <a:spLocks noGrp="1" noRot="1" noChangeAspect="1"/>
+          </p:cNvSpPr>
+          <p:nvPr>
+            <p:ph type="sldImg"/>
+          </p:nvPr>
+        </p:nvSpPr>
+        <p:spPr/>
+      </p:sp>
+      <p:sp>
+        <p:nvSpPr>
+          <p:cNvPr id="3" name="ノート プレースホルダー 2"/>
+          <p:cNvSpPr>
+            <a:spLocks noGrp="1"/>
+          </p:cNvSpPr>
+          <p:nvPr>
+            <p:ph type="body" idx="1"/>
+          </p:nvPr>
+        </p:nvSpPr>
+        <p:spPr/>
+        <p:txBody>
+          <a:bodyPr/>
+          <a:lstStyle/>
+          <a:p>
+            <a:r>
               <a:rPr lang="en-US" altLang="ja-JP" dirty="0" err="1">
                 <a:latin typeface="Calibri"/>
                 <a:ea typeface="游ゴシック"/>
@@ -1537,128 +1661,20 @@
               <a:t>Webアプリケーションのシステム構成はAIサーバーに</a:t>
             </a:r>
             <a:r>
-              <a:rPr lang="en-US" altLang="ja-JP" dirty="0">
+              <a:rPr lang="ja-JP" dirty="0">
                 <a:ea typeface="游ゴシック"/>
               </a:rPr>
-              <a:t>CustomVision</a:t>
+              <a:t>CustomVisionを使用し</a:t>
             </a:r>
             <a:r>
               <a:rPr lang="ja-JP" altLang="en-US" dirty="0">
                 <a:ea typeface="游ゴシック"/>
               </a:rPr>
-              <a:t>を使用し、Wedサーバーにlaravel,html5,css3,php,SQLを使用しました。</a:t>
-            </a:r>
-            <a:endParaRPr lang="ja-JP">
+              <a:t>、Wedサーバーにlaravel,html5,css3,php,SQLを使用しました。</a:t>
+            </a:r>
+            <a:endParaRPr lang="ja-JP" dirty="0">
               <a:ea typeface="游ゴシック"/>
-            </a:endParaRPr>
-          </a:p>
-          <a:p>
-            <a:endParaRPr lang="ja-JP" altLang="en-US" dirty="0">
-              <a:ea typeface="游ゴシック"/>
-            </a:endParaRPr>
-          </a:p>
-          <a:p>
-            <a:r>
-              <a:rPr lang="en-US" altLang="ja-JP" dirty="0"/>
-              <a:t>--- </a:t>
-            </a:r>
-            <a:r>
-              <a:rPr lang="ja-JP"/>
-              <a:t>変更案</a:t>
-            </a:r>
-            <a:r>
-              <a:rPr lang="en-US" altLang="ja-JP" dirty="0"/>
-              <a:t> ---</a:t>
-            </a:r>
-            <a:endParaRPr lang="ja-JP" altLang="en-US" dirty="0"/>
-          </a:p>
-          <a:p>
-            <a:r>
-              <a:rPr lang="en-US" dirty="0" err="1"/>
-              <a:t>今回のシステム構成は、こんな感じです</a:t>
-            </a:r>
-            <a:r>
-              <a:rPr lang="en-US" dirty="0"/>
-              <a:t>。</a:t>
-            </a:r>
-            <a:endParaRPr lang="en-US" dirty="0">
-              <a:ea typeface="游ゴシック"/>
-            </a:endParaRPr>
-          </a:p>
-          <a:p>
-            <a:r>
-              <a:rPr lang="en-US" dirty="0">
-                <a:ea typeface="游ゴシック"/>
-              </a:rPr>
-              <a:t>Azure</a:t>
-            </a:r>
-            <a:r>
-              <a:rPr lang="ja-JP" altLang="en-US">
-                <a:ea typeface="游ゴシック"/>
-              </a:rPr>
-              <a:t>の</a:t>
-            </a:r>
-            <a:r>
-              <a:rPr lang="en-US" dirty="0">
-                <a:ea typeface="游ゴシック"/>
-              </a:rPr>
-              <a:t>VM</a:t>
-            </a:r>
-            <a:r>
-              <a:rPr lang="ja-JP" altLang="en-US">
-                <a:ea typeface="游ゴシック"/>
-              </a:rPr>
-              <a:t>上にWebサーバを仮想構築。</a:t>
-            </a:r>
-            <a:endParaRPr lang="ja-JP" dirty="0">
-              <a:ea typeface="游ゴシック" panose="020B0400000000000000" pitchFamily="34" charset="-128"/>
-            </a:endParaRPr>
-          </a:p>
-          <a:p>
-            <a:r>
-              <a:rPr lang="ja-JP" altLang="en-US">
-                <a:ea typeface="游ゴシック"/>
-              </a:rPr>
-              <a:t>画像認識にはAIサーバーの</a:t>
-            </a:r>
-            <a:r>
-              <a:rPr lang="en-US" altLang="ja-JP" dirty="0" err="1">
-                <a:ea typeface="游ゴシック"/>
-              </a:rPr>
-              <a:t>CustomVision</a:t>
-            </a:r>
-            <a:r>
-              <a:rPr lang="ja-JP">
-                <a:ea typeface="游ゴシック"/>
-              </a:rPr>
-              <a:t>を使用し</a:t>
-            </a:r>
-            <a:r>
-              <a:rPr lang="ja-JP" altLang="en-US">
-                <a:ea typeface="游ゴシック"/>
-              </a:rPr>
-              <a:t>、DBは</a:t>
-            </a:r>
-            <a:r>
-              <a:rPr lang="en-US" altLang="ja-JP" dirty="0">
-                <a:ea typeface="游ゴシック"/>
-              </a:rPr>
-              <a:t>Azure Database for </a:t>
-            </a:r>
-            <a:r>
-              <a:rPr lang="en-US" altLang="ja-JP" dirty="0" err="1">
-                <a:ea typeface="游ゴシック"/>
-              </a:rPr>
-              <a:t>MySQLを利用しました</a:t>
-            </a:r>
-            <a:r>
-              <a:rPr lang="en-US" altLang="ja-JP" dirty="0">
-                <a:ea typeface="游ゴシック"/>
-              </a:rPr>
-              <a:t>。</a:t>
-            </a:r>
-            <a:endParaRPr lang="ja-JP">
-              <a:ea typeface="游ゴシック" panose="020B0400000000000000" pitchFamily="34" charset="-128"/>
+              <a:cs typeface="Calibri"/>
             </a:endParaRPr>
           </a:p>
         </p:txBody>
@@ -1680,7 +1696,7 @@
           <a:p>
             <a:fld id="{2BD5DED0-3A08-46E3-945B-1C93FD8D8A5F}" type="slidenum">
               <a:rPr kumimoji="1" lang="en-US" altLang="ja-JP"/>
-              <a:t>7</a:t>
+              <a:t>6</a:t>
             </a:fld>
             <a:endParaRPr kumimoji="1" lang="ja-JP" altLang="en-US"/>
           </a:p>
@@ -1689,7 +1705,7 @@
     </p:spTree>
     <p:extLst>
       <p:ext uri="{BB962C8B-B14F-4D97-AF65-F5344CB8AC3E}">
-        <p14:creationId xmlns:p14="http://schemas.microsoft.com/office/powerpoint/2010/main" val="3687392384"/>
+        <p14:creationId xmlns:p14="http://schemas.microsoft.com/office/powerpoint/2010/main" val="1518493499"/>
       </p:ext>
     </p:extLst>
   </p:cSld>
@@ -1744,7 +1760,37 @@
           <a:lstStyle/>
           <a:p>
             <a:r>
-              <a:rPr lang="en-US" dirty="0"/>
+              <a:rPr lang="ja-JP" altLang="en-US" dirty="0">
+                <a:latin typeface="Calibri"/>
+                <a:ea typeface="游ゴシック"/>
+                <a:cs typeface="Calibri"/>
+              </a:rPr>
+              <a:t>Webアプリケーションのシステム構成はAIサーバーに</a:t>
+            </a:r>
+            <a:r>
+              <a:rPr lang="en-US" altLang="ja-JP" dirty="0">
+                <a:ea typeface="游ゴシック"/>
+              </a:rPr>
+              <a:t>CustomVision</a:t>
+            </a:r>
+            <a:r>
+              <a:rPr lang="ja-JP" altLang="en-US" dirty="0">
+                <a:ea typeface="游ゴシック"/>
+              </a:rPr>
+              <a:t>を使用し、Wedサーバーにlaravel,html5,css3,php,SQLを使用しました。</a:t>
+            </a:r>
+            <a:endParaRPr lang="ja-JP">
+              <a:ea typeface="游ゴシック"/>
+            </a:endParaRPr>
+          </a:p>
+          <a:p>
+            <a:endParaRPr lang="ja-JP" altLang="en-US" dirty="0">
+              <a:ea typeface="游ゴシック"/>
+            </a:endParaRPr>
+          </a:p>
+          <a:p>
+            <a:r>
+              <a:rPr lang="en-US" altLang="ja-JP" dirty="0"/>
               <a:t>--- </a:t>
             </a:r>
             <a:r>
@@ -1752,31 +1798,15 @@
               <a:t>変更案</a:t>
             </a:r>
             <a:r>
-              <a:rPr lang="en-US" dirty="0"/>
+              <a:rPr lang="en-US" altLang="ja-JP" dirty="0"/>
               <a:t> ---</a:t>
             </a:r>
+            <a:endParaRPr lang="ja-JP" altLang="en-US" dirty="0"/>
           </a:p>
           <a:p>
             <a:r>
               <a:rPr lang="en-US" dirty="0" err="1"/>
-              <a:t>説明はここまでに、デモンストレーションの様子をお見せします</a:t>
-            </a:r>
-            <a:r>
-              <a:rPr lang="en-US" dirty="0"/>
-              <a:t>。</a:t>
-            </a:r>
-          </a:p>
-          <a:p>
-            <a:endParaRPr lang="en-US" dirty="0">
-              <a:ea typeface="游ゴシック" panose="020F0502020204030204"/>
-            </a:endParaRPr>
-          </a:p>
-          <a:p>
-            <a:r>
-              <a:rPr lang="ja-JP" altLang="en-US">
-                <a:ea typeface="游ゴシック"/>
-              </a:rPr>
-              <a:t>デモンストレーションは以上です、いかがでしたでしょうか</a:t>
+              <a:t>今回のシステム構成は、こんな感じです</a:t>
             </a:r>
             <a:r>
               <a:rPr lang="en-US" dirty="0"/>
@@ -1786,6 +1816,82 @@
               <a:ea typeface="游ゴシック"/>
             </a:endParaRPr>
           </a:p>
+          <a:p>
+            <a:r>
+              <a:rPr lang="en-US" dirty="0">
+                <a:ea typeface="游ゴシック"/>
+              </a:rPr>
+              <a:t>Azure</a:t>
+            </a:r>
+            <a:r>
+              <a:rPr lang="ja-JP" altLang="en-US">
+                <a:ea typeface="游ゴシック"/>
+              </a:rPr>
+              <a:t>の</a:t>
+            </a:r>
+            <a:r>
+              <a:rPr lang="en-US" dirty="0">
+                <a:ea typeface="游ゴシック"/>
+              </a:rPr>
+              <a:t>VM</a:t>
+            </a:r>
+            <a:r>
+              <a:rPr lang="ja-JP" altLang="en-US">
+                <a:ea typeface="游ゴシック"/>
+              </a:rPr>
+              <a:t>上にWebサーバを仮想構築。</a:t>
+            </a:r>
+            <a:endParaRPr lang="ja-JP" dirty="0">
+              <a:ea typeface="游ゴシック" panose="020B0400000000000000" pitchFamily="34" charset="-128"/>
+            </a:endParaRPr>
+          </a:p>
+          <a:p>
+            <a:r>
+              <a:rPr lang="ja-JP" altLang="en-US">
+                <a:ea typeface="游ゴシック"/>
+              </a:rPr>
+              <a:t>画像認識にはAIサーバーの</a:t>
+            </a:r>
+            <a:r>
+              <a:rPr lang="en-US" altLang="ja-JP" dirty="0" err="1">
+                <a:ea typeface="游ゴシック"/>
+              </a:rPr>
+              <a:t>CustomVision</a:t>
+            </a:r>
+            <a:r>
+              <a:rPr lang="ja-JP">
+                <a:ea typeface="游ゴシック"/>
+              </a:rPr>
+              <a:t>を使用し</a:t>
+            </a:r>
+            <a:r>
+              <a:rPr lang="ja-JP" altLang="en-US">
+                <a:ea typeface="游ゴシック"/>
+              </a:rPr>
+              <a:t>、DBは</a:t>
+            </a:r>
+            <a:r>
+              <a:rPr lang="en-US" altLang="ja-JP" dirty="0">
+                <a:ea typeface="游ゴシック"/>
+              </a:rPr>
+              <a:t>Azure Database for </a:t>
+            </a:r>
+            <a:r>
+              <a:rPr lang="en-US" altLang="ja-JP" dirty="0" err="1">
+                <a:ea typeface="游ゴシック"/>
+              </a:rPr>
+              <a:t>MySQLを利用しました</a:t>
+            </a:r>
+            <a:r>
+              <a:rPr lang="en-US" altLang="ja-JP" dirty="0">
+                <a:ea typeface="游ゴシック"/>
+              </a:rPr>
+              <a:t>。</a:t>
+            </a:r>
+            <a:endParaRPr lang="ja-JP">
+              <a:ea typeface="游ゴシック" panose="020B0400000000000000" pitchFamily="34" charset="-128"/>
+            </a:endParaRPr>
+          </a:p>
         </p:txBody>
       </p:sp>
       <p:sp>
@@ -1805,7 +1911,7 @@
           <a:p>
             <a:fld id="{2BD5DED0-3A08-46E3-945B-1C93FD8D8A5F}" type="slidenum">
               <a:rPr kumimoji="1" lang="en-US" altLang="ja-JP"/>
-              <a:t>8</a:t>
+              <a:t>7</a:t>
             </a:fld>
             <a:endParaRPr kumimoji="1" lang="ja-JP" altLang="en-US"/>
           </a:p>
@@ -1814,7 +1920,7 @@
     </p:spTree>
     <p:extLst>
       <p:ext uri="{BB962C8B-B14F-4D97-AF65-F5344CB8AC3E}">
-        <p14:creationId xmlns:p14="http://schemas.microsoft.com/office/powerpoint/2010/main" val="2144475368"/>
+        <p14:creationId xmlns:p14="http://schemas.microsoft.com/office/powerpoint/2010/main" val="3687392384"/>
       </p:ext>
     </p:extLst>
   </p:cSld>
@@ -1869,34 +1975,7 @@
           <a:lstStyle/>
           <a:p>
             <a:r>
-              <a:rPr lang="ja-JP"/>
-              <a:t>所感(カメラ周り）</a:t>
-            </a:r>
-            <a:endParaRPr lang="en-US" altLang="ja-JP"/>
-          </a:p>
-          <a:p>
-            <a:endParaRPr lang="ja-JP"/>
-          </a:p>
-          <a:p>
-            <a:r>
-              <a:rPr lang="ja-JP"/>
-              <a:t>最初は初めてのAI技術を触ってみるということでワクワクした。しかし、開発を進めていけばいくほど、CustomVisionでの認識方法、結果情報の送信、ページ遷移など、問題が山積みとなり、開発の沼にズルズルと呑まれてしまった。分からない部分が分からないから、人に聞こうにも聞けない。詰みに近い状態だったが、機能を一気に考えるのではなく、分割して、単純な動きとして考えることにより、画像のアップロード、認識、結果の表示など、設計書通りではないが、一つの機能として動くレベルまでは持っていくことができた。</a:t>
-            </a:r>
-            <a:endParaRPr lang="en-US" altLang="ja-JP"/>
-          </a:p>
-          <a:p>
-            <a:endParaRPr lang="ja-JP"/>
-          </a:p>
-          <a:p>
-            <a:endParaRPr lang="ja-JP" dirty="0">
-              <a:latin typeface="游ゴシック"/>
-              <a:ea typeface="游ゴシック"/>
-              <a:cs typeface="Calibri"/>
-            </a:endParaRPr>
-          </a:p>
-          <a:p>
-            <a:r>
-              <a:rPr lang="en-US" altLang="ja-JP" dirty="0"/>
+              <a:rPr lang="en-US" dirty="0"/>
               <a:t>--- </a:t>
             </a:r>
             <a:r>
@@ -1904,106 +1983,38 @@
               <a:t>変更案</a:t>
             </a:r>
             <a:r>
-              <a:rPr lang="en-US" altLang="ja-JP" dirty="0"/>
+              <a:rPr lang="en-US" dirty="0"/>
               <a:t> ---</a:t>
             </a:r>
-            <a:endParaRPr lang="ja-JP" dirty="0"/>
-          </a:p>
-          <a:p>
-            <a:r>
-              <a:rPr lang="en-US" altLang="ja-JP" dirty="0" err="1">
-                <a:latin typeface="Calibri"/>
-                <a:ea typeface="游ゴシック"/>
-                <a:cs typeface="Calibri"/>
-              </a:rPr>
-              <a:t>今回の開発を通しての所感です</a:t>
-            </a:r>
-            <a:r>
-              <a:rPr lang="en-US" altLang="ja-JP" dirty="0">
-                <a:latin typeface="Calibri"/>
-                <a:ea typeface="游ゴシック"/>
-                <a:cs typeface="Calibri"/>
-              </a:rPr>
+          </a:p>
+          <a:p>
+            <a:r>
+              <a:rPr lang="en-US" dirty="0" err="1"/>
+              <a:t>説明はここまでに、デモンストレーションの様子をお見せします</a:t>
+            </a:r>
+            <a:r>
+              <a:rPr lang="en-US" dirty="0"/>
               <a:t>。</a:t>
             </a:r>
           </a:p>
           <a:p>
-            <a:r>
-              <a:rPr lang="en-US" altLang="ja-JP" dirty="0" err="1">
-                <a:latin typeface="Calibri"/>
-                <a:ea typeface="游ゴシック"/>
-                <a:cs typeface="Calibri"/>
-              </a:rPr>
-              <a:t>最初はAI技術を利用するということでワクワクしました</a:t>
-            </a:r>
-            <a:r>
-              <a:rPr lang="en-US" altLang="ja-JP" dirty="0">
-                <a:latin typeface="Calibri"/>
-                <a:ea typeface="游ゴシック"/>
-                <a:cs typeface="Calibri"/>
-              </a:rPr>
-              <a:t>。</a:t>
-            </a:r>
-          </a:p>
-          <a:p>
-            <a:r>
-              <a:rPr lang="en-US" altLang="ja-JP" dirty="0" err="1">
-                <a:latin typeface="Calibri"/>
-                <a:ea typeface="游ゴシック"/>
-                <a:cs typeface="Calibri"/>
-              </a:rPr>
-              <a:t>しかし、開発を進めていくほどCustomVisionでの問題が山積みになり、開発の沼に呑まれてしまった</a:t>
-            </a:r>
-            <a:r>
-              <a:rPr lang="en-US" altLang="ja-JP" dirty="0">
-                <a:latin typeface="Calibri"/>
-                <a:ea typeface="游ゴシック"/>
-                <a:cs typeface="Calibri"/>
-              </a:rPr>
-              <a:t>。</a:t>
-            </a:r>
-          </a:p>
-          <a:p>
-            <a:r>
-              <a:rPr lang="en-US" altLang="ja-JP" dirty="0" err="1">
-                <a:latin typeface="Calibri"/>
-                <a:ea typeface="游ゴシック"/>
-                <a:cs typeface="Calibri"/>
-              </a:rPr>
-              <a:t>開発中盤からは詰みに近い状態だったが、必要な機能を分割して考え作業をすすめたことで</a:t>
-            </a:r>
-            <a:r>
-              <a:rPr lang="en-US" altLang="ja-JP" dirty="0">
-                <a:latin typeface="Calibri"/>
-                <a:ea typeface="游ゴシック"/>
-                <a:cs typeface="Calibri"/>
-              </a:rPr>
-              <a:t>、</a:t>
-            </a:r>
-          </a:p>
-          <a:p>
-            <a:r>
-              <a:rPr lang="en-US" altLang="ja-JP" dirty="0" err="1">
-                <a:latin typeface="Calibri"/>
-                <a:ea typeface="游ゴシック"/>
-                <a:cs typeface="Calibri"/>
-              </a:rPr>
-              <a:t>完璧とは言えないが、予定していた機能まで</a:t>
-            </a:r>
-            <a:r>
-              <a:rPr lang="en-US" dirty="0" err="1"/>
-              <a:t>実装することができたのでよかった</a:t>
-            </a:r>
+            <a:endParaRPr lang="en-US" dirty="0">
+              <a:ea typeface="游ゴシック" panose="020F0502020204030204"/>
+            </a:endParaRPr>
+          </a:p>
+          <a:p>
             <a:r>
               <a:rPr lang="ja-JP" altLang="en-US">
                 <a:ea typeface="游ゴシック"/>
               </a:rPr>
+              <a:t>デモンストレーションは以上です、いかがでしたでしょうか</a:t>
+            </a:r>
+            <a:r>
+              <a:rPr lang="en-US" dirty="0"/>
               <a:t>。</a:t>
             </a:r>
-            <a:endParaRPr lang="en-US" altLang="ja-JP">
-              <a:latin typeface="Calibri"/>
+            <a:endParaRPr lang="en-US" dirty="0">
               <a:ea typeface="游ゴシック"/>
-              <a:cs typeface="Calibri"/>
             </a:endParaRPr>
           </a:p>
         </p:txBody>
@@ -2025,7 +2036,7 @@
           <a:p>
             <a:fld id="{2BD5DED0-3A08-46E3-945B-1C93FD8D8A5F}" type="slidenum">
               <a:rPr kumimoji="1" lang="en-US" altLang="ja-JP"/>
-              <a:t>9</a:t>
+              <a:t>8</a:t>
             </a:fld>
             <a:endParaRPr kumimoji="1" lang="ja-JP" altLang="en-US"/>
           </a:p>
@@ -2034,7 +2045,7 @@
     </p:spTree>
     <p:extLst>
       <p:ext uri="{BB962C8B-B14F-4D97-AF65-F5344CB8AC3E}">
-        <p14:creationId xmlns:p14="http://schemas.microsoft.com/office/powerpoint/2010/main" val="2775154517"/>
+        <p14:creationId xmlns:p14="http://schemas.microsoft.com/office/powerpoint/2010/main" val="2144475368"/>
       </p:ext>
     </p:extLst>
   </p:cSld>
@@ -2089,52 +2100,23 @@
           <a:lstStyle/>
           <a:p>
             <a:r>
-              <a:rPr lang="ja-JP">
-                <a:ea typeface="游ゴシック"/>
-              </a:rPr>
-              <a:t>進展</a:t>
-            </a:r>
-            <a:endParaRPr lang="en-US" altLang="ja-JP" dirty="0">
-              <a:ea typeface="游ゴシック"/>
-            </a:endParaRPr>
-          </a:p>
-          <a:p>
-            <a:r>
-              <a:rPr lang="ja-JP">
-                <a:ea typeface="游ゴシック"/>
-              </a:rPr>
-              <a:t>・予算や数、箱などを入力してケーキの数や種類を絞ってくれる機能など　の追加でさらに店員の負担を減らせるにする</a:t>
-            </a:r>
-            <a:endParaRPr lang="en-US" altLang="ja-JP" dirty="0">
-              <a:ea typeface="游ゴシック"/>
-            </a:endParaRPr>
-          </a:p>
-          <a:p>
-            <a:r>
-              <a:rPr lang="ja-JP">
-                <a:ea typeface="游ゴシック"/>
-              </a:rPr>
-              <a:t>・減ってきた商品を告知してすぐに補充できるようにする</a:t>
-            </a:r>
-          </a:p>
-          <a:p>
-            <a:r>
-              <a:rPr lang="ja-JP">
-                <a:ea typeface="游ゴシック"/>
-              </a:rPr>
-              <a:t>・よく売れる時間帯なども記録しケーキの廃棄数を減らす</a:t>
-            </a:r>
-            <a:endParaRPr lang="en-US" altLang="ja-JP" dirty="0">
-              <a:ea typeface="游ゴシック"/>
-            </a:endParaRPr>
-          </a:p>
-          <a:p>
-            <a:r>
-              <a:rPr lang="ja-JP">
-                <a:ea typeface="游ゴシック"/>
-              </a:rPr>
-              <a:t>・予約情報なども管理できるようにすれば材料の発注数を簡単に管理できる</a:t>
-            </a:r>
+              <a:rPr lang="ja-JP"/>
+              <a:t>所感(カメラ周り）</a:t>
+            </a:r>
+            <a:endParaRPr lang="en-US" altLang="ja-JP"/>
+          </a:p>
+          <a:p>
+            <a:endParaRPr lang="ja-JP"/>
+          </a:p>
+          <a:p>
+            <a:r>
+              <a:rPr lang="ja-JP"/>
+              <a:t>最初は初めてのAI技術を触ってみるということでワクワクした。しかし、開発を進めていけばいくほど、CustomVisionでの認識方法、結果情報の送信、ページ遷移など、問題が山積みとなり、開発の沼にズルズルと呑まれてしまった。分からない部分が分からないから、人に聞こうにも聞けない。詰みに近い状態だったが、機能を一気に考えるのではなく、分割して、単純な動きとして考えることにより、画像のアップロード、認識、結果の表示など、設計書通りではないが、一つの機能として動くレベルまでは持っていくことができた。</a:t>
+            </a:r>
+            <a:endParaRPr lang="en-US" altLang="ja-JP"/>
+          </a:p>
+          <a:p>
+            <a:endParaRPr lang="ja-JP"/>
           </a:p>
           <a:p>
             <a:endParaRPr lang="ja-JP" dirty="0">
@@ -2145,26 +2127,18 @@
           </a:p>
           <a:p>
             <a:r>
-              <a:rPr lang="en-US" altLang="ja-JP" dirty="0">
-                <a:ea typeface="游ゴシック"/>
-              </a:rPr>
+              <a:rPr lang="en-US" altLang="ja-JP" dirty="0"/>
               <a:t>--- </a:t>
             </a:r>
             <a:r>
-              <a:rPr lang="ja-JP">
-                <a:ea typeface="游ゴシック"/>
-              </a:rPr>
+              <a:rPr lang="ja-JP"/>
               <a:t>変更案</a:t>
             </a:r>
             <a:r>
-              <a:rPr lang="en-US" altLang="ja-JP" dirty="0">
-                <a:ea typeface="游ゴシック"/>
-              </a:rPr>
+              <a:rPr lang="en-US" altLang="ja-JP" dirty="0"/>
               <a:t> ---</a:t>
             </a:r>
-            <a:endParaRPr lang="ja-JP">
-              <a:ea typeface="游ゴシック"/>
-            </a:endParaRPr>
+            <a:endParaRPr lang="ja-JP" dirty="0"/>
           </a:p>
           <a:p>
             <a:r>
@@ -2173,7 +2147,7 @@
                 <a:ea typeface="游ゴシック"/>
                 <a:cs typeface="Calibri"/>
               </a:rPr>
-              <a:t>今後の展望としてあげられるのは</a:t>
+              <a:t>今回の開発を通しての所感です</a:t>
             </a:r>
             <a:r>
               <a:rPr lang="en-US" altLang="ja-JP" dirty="0">
@@ -2181,111 +2155,88 @@
                 <a:ea typeface="游ゴシック"/>
                 <a:cs typeface="Calibri"/>
               </a:rPr>
-              <a:t>、</a:t>
-            </a:r>
-            <a:endParaRPr lang="en-US" altLang="ja-JP" dirty="0">
-              <a:latin typeface="Calibri"/>
-              <a:ea typeface="游ゴシック" panose="020B0400000000000000" pitchFamily="34" charset="-128"/>
-              <a:cs typeface="Calibri"/>
-            </a:endParaRPr>
-          </a:p>
-          <a:p>
+              <a:t>。</a:t>
+            </a:r>
+          </a:p>
+          <a:p>
+            <a:r>
+              <a:rPr lang="en-US" altLang="ja-JP" dirty="0" err="1">
+                <a:latin typeface="Calibri"/>
+                <a:ea typeface="游ゴシック"/>
+                <a:cs typeface="Calibri"/>
+              </a:rPr>
+              <a:t>最初はAI技術を利用するということでワクワクしました</a:t>
+            </a:r>
             <a:r>
               <a:rPr lang="en-US" altLang="ja-JP" dirty="0">
                 <a:latin typeface="Calibri"/>
                 <a:ea typeface="游ゴシック"/>
                 <a:cs typeface="Calibri"/>
               </a:rPr>
-              <a:t>①</a:t>
-            </a:r>
+              <a:t>。</a:t>
+            </a:r>
+          </a:p>
+          <a:p>
             <a:r>
               <a:rPr lang="en-US" altLang="ja-JP" dirty="0" err="1">
                 <a:latin typeface="Calibri"/>
                 <a:ea typeface="游ゴシック"/>
                 <a:cs typeface="Calibri"/>
               </a:rPr>
-              <a:t>顧客からの要望をもとに商品提案の機能を実装して、店員さんの負担減をはかる</a:t>
-            </a:r>
-            <a:endParaRPr lang="en-US" altLang="ja-JP" dirty="0">
+              <a:t>しかし、開発を進めていくほどCustomVisionでの問題が山積みになり、開発の沼に呑まれてしまった</a:t>
+            </a:r>
+            <a:r>
+              <a:rPr lang="en-US" altLang="ja-JP" dirty="0">
+                <a:latin typeface="Calibri"/>
+                <a:ea typeface="游ゴシック"/>
+                <a:cs typeface="Calibri"/>
+              </a:rPr>
+              <a:t>。</a:t>
+            </a:r>
+          </a:p>
+          <a:p>
+            <a:r>
+              <a:rPr lang="en-US" altLang="ja-JP" dirty="0" err="1">
+                <a:latin typeface="Calibri"/>
+                <a:ea typeface="游ゴシック"/>
+                <a:cs typeface="Calibri"/>
+              </a:rPr>
+              <a:t>開発中盤からは詰みに近い状態だったが、必要な機能を分割して考え作業をすすめたことで</a:t>
+            </a:r>
+            <a:r>
+              <a:rPr lang="en-US" altLang="ja-JP" dirty="0">
+                <a:latin typeface="Calibri"/>
+                <a:ea typeface="游ゴシック"/>
+                <a:cs typeface="Calibri"/>
+              </a:rPr>
+              <a:t>、</a:t>
+            </a:r>
+          </a:p>
+          <a:p>
+            <a:r>
+              <a:rPr lang="en-US" altLang="ja-JP" dirty="0" err="1">
+                <a:latin typeface="Calibri"/>
+                <a:ea typeface="游ゴシック"/>
+                <a:cs typeface="Calibri"/>
+              </a:rPr>
+              <a:t>完璧とは言えないが、予定していた機能まで</a:t>
+            </a:r>
+            <a:r>
+              <a:rPr lang="en-US" dirty="0" err="1"/>
+              <a:t>実装することができたのでよかった</a:t>
+            </a:r>
+            <a:r>
+              <a:rPr lang="ja-JP" altLang="en-US">
+                <a:ea typeface="游ゴシック"/>
+              </a:rPr>
+              <a:t>。</a:t>
+            </a:r>
+            <a:endParaRPr lang="en-US" altLang="ja-JP">
               <a:latin typeface="Calibri"/>
               <a:ea typeface="游ゴシック"/>
               <a:cs typeface="Calibri"/>
             </a:endParaRPr>
           </a:p>
-          <a:p>
-            <a:r>
-              <a:rPr lang="en-US" altLang="ja-JP" dirty="0">
-                <a:latin typeface="Calibri"/>
-                <a:ea typeface="游ゴシック"/>
-                <a:cs typeface="Calibri"/>
-              </a:rPr>
-              <a:t>②</a:t>
-            </a:r>
-            <a:r>
-              <a:rPr lang="en-US" altLang="ja-JP" dirty="0" err="1">
-                <a:latin typeface="Calibri"/>
-                <a:ea typeface="游ゴシック"/>
-                <a:cs typeface="Calibri"/>
-              </a:rPr>
-              <a:t>商品在庫が少ない商品の告知機能を実装して、迅速な商品補充を実現</a:t>
-            </a:r>
-            <a:endParaRPr lang="en-US" altLang="ja-JP" dirty="0">
-              <a:latin typeface="Calibri"/>
-              <a:ea typeface="游ゴシック"/>
-              <a:cs typeface="Calibri"/>
-            </a:endParaRPr>
-          </a:p>
-          <a:p>
-            <a:r>
-              <a:rPr lang="en-US" altLang="ja-JP" dirty="0">
-                <a:latin typeface="Calibri"/>
-                <a:ea typeface="游ゴシック"/>
-                <a:cs typeface="Calibri"/>
-              </a:rPr>
-              <a:t>③</a:t>
-            </a:r>
-            <a:r>
-              <a:rPr lang="en-US" altLang="ja-JP" dirty="0" err="1">
-                <a:latin typeface="Calibri"/>
-                <a:ea typeface="游ゴシック"/>
-                <a:cs typeface="Calibri"/>
-              </a:rPr>
-              <a:t>時間帯ごとの売上を記録する機能を実装して</a:t>
-            </a:r>
-            <a:r>
-              <a:rPr lang="en-US" altLang="ja-JP" dirty="0">
-                <a:latin typeface="Calibri"/>
-                <a:ea typeface="游ゴシック"/>
-                <a:cs typeface="Calibri"/>
-              </a:rPr>
-              <a:t>、</a:t>
-            </a:r>
-            <a:r>
-              <a:rPr lang="ja-JP" altLang="en-US">
-                <a:ea typeface="游ゴシック"/>
-              </a:rPr>
-              <a:t>売上商品数を参考に商品の廃棄数減を図る</a:t>
-            </a:r>
-          </a:p>
-          <a:p>
-            <a:r>
-              <a:rPr lang="ja-JP" altLang="en-US">
-                <a:ea typeface="游ゴシック"/>
-              </a:rPr>
-              <a:t>④予約情報の管理機能を実装して、材料の発注管理を容易にする</a:t>
-            </a:r>
-          </a:p>
-          <a:p>
-            <a:r>
-              <a:rPr lang="ja-JP" altLang="en-US">
-                <a:ea typeface="游ゴシック"/>
-              </a:rPr>
-              <a:t>の4つです。</a:t>
-            </a:r>
-            <a:endParaRPr lang="ja-JP" altLang="en-US" dirty="0">
-              <a:ea typeface="游ゴシック"/>
-            </a:endParaRPr>
-          </a:p>
         </p:txBody>
       </p:sp>
       <p:sp>
@@ -2305,7 +2256,7 @@
           <a:p>
             <a:fld id="{2BD5DED0-3A08-46E3-945B-1C93FD8D8A5F}" type="slidenum">
               <a:rPr kumimoji="1" lang="en-US" altLang="ja-JP"/>
-              <a:t>10</a:t>
+              <a:t>9</a:t>
             </a:fld>
             <a:endParaRPr kumimoji="1" lang="ja-JP" altLang="en-US"/>
           </a:p>
@@ -2314,7 +2265,7 @@
     </p:spTree>
     <p:extLst>
       <p:ext uri="{BB962C8B-B14F-4D97-AF65-F5344CB8AC3E}">
-        <p14:creationId xmlns:p14="http://schemas.microsoft.com/office/powerpoint/2010/main" val="154146495"/>
+        <p14:creationId xmlns:p14="http://schemas.microsoft.com/office/powerpoint/2010/main" val="2775154517"/>
       </p:ext>
     </p:extLst>
   </p:cSld>
@@ -5926,6 +5877,816 @@
 </file>
 
 <file path=ppt/slides/slide10.xml><?xml version="1.0" encoding="utf-8"?>
+<p:sld xmlns:a="http://schemas.openxmlformats.org/drawingml/2006/main" xmlns:r="http://schemas.openxmlformats.org/officeDocument/2006/relationships" xmlns:p="http://schemas.openxmlformats.org/presentationml/2006/main">
+  <p:cSld>
+    <p:spTree>
+      <p:nvGrpSpPr>
+        <p:cNvPr id="1" name=""/>
+        <p:cNvGrpSpPr/>
+        <p:nvPr/>
+      </p:nvGrpSpPr>
+      <p:grpSpPr>
+        <a:xfrm>
+          <a:off x="0" y="0"/>
+          <a:ext cx="0" cy="0"/>
+          <a:chOff x="0" y="0"/>
+          <a:chExt cx="0" cy="0"/>
+        </a:xfrm>
+      </p:grpSpPr>
+      <p:sp>
+        <p:nvSpPr>
+          <p:cNvPr id="3" name="テキスト ボックス 2">
+            <a:extLst>
+              <a:ext uri="{FF2B5EF4-FFF2-40B4-BE49-F238E27FC236}">
+                <a16:creationId xmlns:a16="http://schemas.microsoft.com/office/drawing/2014/main" id="{164A2AE4-02E5-445C-9B89-786707DA4288}"/>
+              </a:ext>
+            </a:extLst>
+          </p:cNvPr>
+          <p:cNvSpPr txBox="1"/>
+          <p:nvPr/>
+        </p:nvSpPr>
+        <p:spPr>
+          <a:xfrm>
+            <a:off x="838200" y="2072495"/>
+            <a:ext cx="11353800" cy="4493538"/>
+          </a:xfrm>
+          <a:prstGeom prst="rect">
+            <a:avLst/>
+          </a:prstGeom>
+          <a:noFill/>
+        </p:spPr>
+        <p:txBody>
+          <a:bodyPr rot="0" spcFirstLastPara="0" vertOverflow="overflow" horzOverflow="overflow" vert="horz" wrap="square" lIns="91440" tIns="45720" rIns="91440" bIns="45720" numCol="1" spcCol="0" rtlCol="0" fromWordArt="0" anchor="t" anchorCtr="0" forceAA="0" compatLnSpc="1">
+            <a:prstTxWarp prst="textNoShape">
+              <a:avLst/>
+            </a:prstTxWarp>
+            <a:spAutoFit/>
+          </a:bodyPr>
+          <a:lstStyle/>
+          <a:p>
+            <a:r>
+              <a:rPr lang="ja-JP" altLang="en-US" sz="3200" b="1" dirty="0">
+                <a:latin typeface="メイリオ" panose="020B0604030504040204" pitchFamily="50" charset="-128"/>
+                <a:ea typeface="メイリオ" panose="020B0604030504040204" pitchFamily="50" charset="-128"/>
+              </a:rPr>
+              <a:t>①顧客の要望から商品数や種類を絞り、商品提案の機能</a:t>
+            </a:r>
+            <a:endParaRPr lang="en-US" altLang="ja-JP" sz="3200" b="1" dirty="0">
+              <a:latin typeface="メイリオ" panose="020B0604030504040204" pitchFamily="50" charset="-128"/>
+              <a:ea typeface="メイリオ" panose="020B0604030504040204" pitchFamily="50" charset="-128"/>
+            </a:endParaRPr>
+          </a:p>
+          <a:p>
+            <a:r>
+              <a:rPr lang="ja-JP" altLang="en-US" sz="3200" b="1" dirty="0">
+                <a:latin typeface="メイリオ" panose="020B0604030504040204" pitchFamily="50" charset="-128"/>
+                <a:ea typeface="メイリオ" panose="020B0604030504040204" pitchFamily="50" charset="-128"/>
+              </a:rPr>
+              <a:t>　⇒店員の商品提案に関する負担を減らす</a:t>
+            </a:r>
+            <a:endParaRPr lang="en-US" altLang="ja-JP" sz="3200" b="1" dirty="0">
+              <a:latin typeface="メイリオ" panose="020B0604030504040204" pitchFamily="50" charset="-128"/>
+              <a:ea typeface="メイリオ" panose="020B0604030504040204" pitchFamily="50" charset="-128"/>
+            </a:endParaRPr>
+          </a:p>
+          <a:p>
+            <a:endParaRPr lang="ja-JP" altLang="en-US" sz="1000" b="1" dirty="0">
+              <a:latin typeface="メイリオ" panose="020B0604030504040204" pitchFamily="50" charset="-128"/>
+              <a:ea typeface="メイリオ" panose="020B0604030504040204" pitchFamily="50" charset="-128"/>
+            </a:endParaRPr>
+          </a:p>
+          <a:p>
+            <a:r>
+              <a:rPr lang="ja-JP" altLang="en-US" sz="3200" b="1" dirty="0">
+                <a:latin typeface="メイリオ" panose="020B0604030504040204" pitchFamily="50" charset="-128"/>
+                <a:ea typeface="メイリオ" panose="020B0604030504040204" pitchFamily="50" charset="-128"/>
+              </a:rPr>
+              <a:t>②在庫が少ない商品の告知機能</a:t>
+            </a:r>
+            <a:endParaRPr lang="en-US" altLang="ja-JP" sz="3200" b="1" dirty="0">
+              <a:latin typeface="メイリオ" panose="020B0604030504040204" pitchFamily="50" charset="-128"/>
+              <a:ea typeface="メイリオ" panose="020B0604030504040204" pitchFamily="50" charset="-128"/>
+            </a:endParaRPr>
+          </a:p>
+          <a:p>
+            <a:r>
+              <a:rPr lang="ja-JP" altLang="en-US" sz="3200" b="1" dirty="0">
+                <a:latin typeface="メイリオ" panose="020B0604030504040204" pitchFamily="50" charset="-128"/>
+                <a:ea typeface="メイリオ" panose="020B0604030504040204" pitchFamily="50" charset="-128"/>
+              </a:rPr>
+              <a:t>　⇒迅速な商品補充の実現</a:t>
+            </a:r>
+            <a:endParaRPr lang="en-US" altLang="ja-JP" sz="3200" b="1" dirty="0">
+              <a:latin typeface="メイリオ" panose="020B0604030504040204" pitchFamily="50" charset="-128"/>
+              <a:ea typeface="メイリオ" panose="020B0604030504040204" pitchFamily="50" charset="-128"/>
+            </a:endParaRPr>
+          </a:p>
+          <a:p>
+            <a:endParaRPr lang="ja-JP" sz="1000" b="1" dirty="0">
+              <a:latin typeface="メイリオ" panose="020B0604030504040204" pitchFamily="50" charset="-128"/>
+              <a:ea typeface="メイリオ" panose="020B0604030504040204" pitchFamily="50" charset="-128"/>
+            </a:endParaRPr>
+          </a:p>
+          <a:p>
+            <a:r>
+              <a:rPr lang="ja-JP" altLang="en-US" sz="3200" b="1" dirty="0">
+                <a:latin typeface="メイリオ" panose="020B0604030504040204" pitchFamily="50" charset="-128"/>
+                <a:ea typeface="メイリオ" panose="020B0604030504040204" pitchFamily="50" charset="-128"/>
+              </a:rPr>
+              <a:t>③時間帯ごとに売上記録をする機能</a:t>
+            </a:r>
+            <a:endParaRPr lang="en-US" altLang="ja-JP" sz="3200" b="1" dirty="0">
+              <a:latin typeface="メイリオ" panose="020B0604030504040204" pitchFamily="50" charset="-128"/>
+              <a:ea typeface="メイリオ" panose="020B0604030504040204" pitchFamily="50" charset="-128"/>
+            </a:endParaRPr>
+          </a:p>
+          <a:p>
+            <a:r>
+              <a:rPr lang="ja-JP" altLang="en-US" sz="3200" b="1" dirty="0">
+                <a:latin typeface="メイリオ" panose="020B0604030504040204" pitchFamily="50" charset="-128"/>
+                <a:ea typeface="メイリオ" panose="020B0604030504040204" pitchFamily="50" charset="-128"/>
+              </a:rPr>
+              <a:t>　⇒</a:t>
+            </a:r>
+            <a:r>
+              <a:rPr lang="ja-JP" sz="3200" b="1" dirty="0">
+                <a:latin typeface="メイリオ" panose="020B0604030504040204" pitchFamily="50" charset="-128"/>
+                <a:ea typeface="メイリオ" panose="020B0604030504040204" pitchFamily="50" charset="-128"/>
+                <a:cs typeface="+mn-lt"/>
+              </a:rPr>
+              <a:t>商品</a:t>
+            </a:r>
+            <a:r>
+              <a:rPr lang="ja-JP" altLang="en-US" sz="3200" b="1" dirty="0">
+                <a:latin typeface="メイリオ" panose="020B0604030504040204" pitchFamily="50" charset="-128"/>
+                <a:ea typeface="メイリオ" panose="020B0604030504040204" pitchFamily="50" charset="-128"/>
+                <a:cs typeface="+mn-lt"/>
+              </a:rPr>
+              <a:t>の売上</a:t>
+            </a:r>
+            <a:r>
+              <a:rPr lang="ja-JP" sz="3200" b="1" dirty="0">
+                <a:latin typeface="メイリオ" panose="020B0604030504040204" pitchFamily="50" charset="-128"/>
+                <a:ea typeface="メイリオ" panose="020B0604030504040204" pitchFamily="50" charset="-128"/>
+                <a:cs typeface="+mn-lt"/>
+              </a:rPr>
+              <a:t>数を</a:t>
+            </a:r>
+            <a:r>
+              <a:rPr lang="ja-JP" altLang="en-US" sz="3200" b="1" dirty="0">
+                <a:latin typeface="メイリオ" panose="020B0604030504040204" pitchFamily="50" charset="-128"/>
+                <a:ea typeface="メイリオ" panose="020B0604030504040204" pitchFamily="50" charset="-128"/>
+                <a:cs typeface="+mn-lt"/>
+              </a:rPr>
+              <a:t>もと</a:t>
+            </a:r>
+            <a:r>
+              <a:rPr lang="ja-JP" sz="3200" b="1" dirty="0">
+                <a:latin typeface="メイリオ" panose="020B0604030504040204" pitchFamily="50" charset="-128"/>
+                <a:ea typeface="メイリオ" panose="020B0604030504040204" pitchFamily="50" charset="-128"/>
+                <a:cs typeface="+mn-lt"/>
+              </a:rPr>
+              <a:t>に</a:t>
+            </a:r>
+            <a:r>
+              <a:rPr lang="ja-JP" altLang="en-US" sz="3200" b="1" dirty="0">
+                <a:latin typeface="メイリオ" panose="020B0604030504040204" pitchFamily="50" charset="-128"/>
+                <a:ea typeface="メイリオ" panose="020B0604030504040204" pitchFamily="50" charset="-128"/>
+              </a:rPr>
+              <a:t>商品の廃棄数減を図る</a:t>
+            </a:r>
+            <a:endParaRPr lang="en-US" altLang="ja-JP" sz="3200" b="1" dirty="0">
+              <a:latin typeface="メイリオ" panose="020B0604030504040204" pitchFamily="50" charset="-128"/>
+              <a:ea typeface="メイリオ" panose="020B0604030504040204" pitchFamily="50" charset="-128"/>
+            </a:endParaRPr>
+          </a:p>
+          <a:p>
+            <a:endParaRPr lang="ja-JP" altLang="en-US" sz="1000" b="1" dirty="0">
+              <a:latin typeface="メイリオ" panose="020B0604030504040204" pitchFamily="50" charset="-128"/>
+              <a:ea typeface="メイリオ" panose="020B0604030504040204" pitchFamily="50" charset="-128"/>
+            </a:endParaRPr>
+          </a:p>
+          <a:p>
+            <a:r>
+              <a:rPr lang="ja-JP" altLang="en-US" sz="3200" b="1" dirty="0">
+                <a:latin typeface="メイリオ" panose="020B0604030504040204" pitchFamily="50" charset="-128"/>
+                <a:ea typeface="メイリオ" panose="020B0604030504040204" pitchFamily="50" charset="-128"/>
+              </a:rPr>
+              <a:t>④商品予約情報の管理機能</a:t>
+            </a:r>
+            <a:endParaRPr lang="en-US" altLang="ja-JP" sz="3200" b="1" dirty="0">
+              <a:latin typeface="メイリオ" panose="020B0604030504040204" pitchFamily="50" charset="-128"/>
+              <a:ea typeface="メイリオ" panose="020B0604030504040204" pitchFamily="50" charset="-128"/>
+            </a:endParaRPr>
+          </a:p>
+          <a:p>
+            <a:r>
+              <a:rPr lang="ja-JP" altLang="en-US" sz="3200" b="1" dirty="0">
+                <a:latin typeface="メイリオ" panose="020B0604030504040204" pitchFamily="50" charset="-128"/>
+                <a:ea typeface="メイリオ" panose="020B0604030504040204" pitchFamily="50" charset="-128"/>
+              </a:rPr>
+              <a:t>　⇒材料の発注管理を容易にする</a:t>
+            </a:r>
+          </a:p>
+        </p:txBody>
+      </p:sp>
+      <p:sp>
+        <p:nvSpPr>
+          <p:cNvPr id="2" name="タイトル 1">
+            <a:extLst>
+              <a:ext uri="{FF2B5EF4-FFF2-40B4-BE49-F238E27FC236}">
+                <a16:creationId xmlns:a16="http://schemas.microsoft.com/office/drawing/2014/main" id="{DC5F44FF-A267-449A-9C0A-AED84F93D2FF}"/>
+              </a:ext>
+            </a:extLst>
+          </p:cNvPr>
+          <p:cNvSpPr>
+            <a:spLocks noGrp="1"/>
+          </p:cNvSpPr>
+          <p:nvPr>
+            <p:ph type="title"/>
+          </p:nvPr>
+        </p:nvSpPr>
+        <p:spPr/>
+        <p:txBody>
+          <a:bodyPr/>
+          <a:lstStyle/>
+          <a:p>
+            <a:r>
+              <a:rPr lang="ja-JP" altLang="en-US" b="1" dirty="0">
+                <a:latin typeface="メイリオ" panose="020B0604030504040204" pitchFamily="50" charset="-128"/>
+                <a:ea typeface="メイリオ" panose="020B0604030504040204" pitchFamily="50" charset="-128"/>
+              </a:rPr>
+              <a:t>今後の展望</a:t>
+            </a:r>
+          </a:p>
+        </p:txBody>
+      </p:sp>
+    </p:spTree>
+    <p:extLst>
+      <p:ext uri="{BB962C8B-B14F-4D97-AF65-F5344CB8AC3E}">
+        <p14:creationId xmlns:p14="http://schemas.microsoft.com/office/powerpoint/2010/main" val="3435611388"/>
+      </p:ext>
+    </p:extLst>
+  </p:cSld>
+  <p:clrMapOvr>
+    <a:masterClrMapping/>
+  </p:clrMapOvr>
+  <p:timing>
+    <p:tnLst>
+      <p:par>
+        <p:cTn id="1" dur="indefinite" restart="never" nodeType="tmRoot">
+          <p:childTnLst>
+            <p:seq concurrent="1" nextAc="seek">
+              <p:cTn id="2" dur="indefinite" nodeType="mainSeq">
+                <p:childTnLst>
+                  <p:par>
+                    <p:cTn id="3" fill="hold">
+                      <p:stCondLst>
+                        <p:cond delay="indefinite"/>
+                      </p:stCondLst>
+                      <p:childTnLst>
+                        <p:par>
+                          <p:cTn id="4" fill="hold">
+                            <p:stCondLst>
+                              <p:cond delay="0"/>
+                            </p:stCondLst>
+                            <p:childTnLst>
+                              <p:par>
+                                <p:cTn id="5" presetID="3" presetClass="emph" presetSubtype="2" fill="hold" nodeType="clickEffect">
+                                  <p:stCondLst>
+                                    <p:cond delay="0"/>
+                                  </p:stCondLst>
+                                  <p:childTnLst>
+                                    <p:animClr clrSpc="rgb" dir="cw">
+                                      <p:cBhvr override="childStyle">
+                                        <p:cTn id="6" dur="10" fill="hold"/>
+                                        <p:tgtEl>
+                                          <p:spTgt spid="3">
+                                            <p:txEl>
+                                              <p:pRg st="0" end="0"/>
+                                            </p:txEl>
+                                          </p:spTgt>
+                                        </p:tgtEl>
+                                        <p:attrNameLst>
+                                          <p:attrName>style.color</p:attrName>
+                                        </p:attrNameLst>
+                                      </p:cBhvr>
+                                      <p:to>
+                                        <a:srgbClr val="FF0000"/>
+                                      </p:to>
+                                    </p:animClr>
+                                  </p:childTnLst>
+                                </p:cTn>
+                              </p:par>
+                            </p:childTnLst>
+                          </p:cTn>
+                        </p:par>
+                      </p:childTnLst>
+                    </p:cTn>
+                  </p:par>
+                  <p:par>
+                    <p:cTn id="7" fill="hold">
+                      <p:stCondLst>
+                        <p:cond delay="indefinite"/>
+                      </p:stCondLst>
+                      <p:childTnLst>
+                        <p:par>
+                          <p:cTn id="8" fill="hold">
+                            <p:stCondLst>
+                              <p:cond delay="0"/>
+                            </p:stCondLst>
+                            <p:childTnLst>
+                              <p:par>
+                                <p:cTn id="9" presetID="3" presetClass="emph" presetSubtype="2" fill="hold" nodeType="clickEffect">
+                                  <p:stCondLst>
+                                    <p:cond delay="0"/>
+                                  </p:stCondLst>
+                                  <p:childTnLst>
+                                    <p:animClr clrSpc="rgb" dir="cw">
+                                      <p:cBhvr override="childStyle">
+                                        <p:cTn id="10" dur="10" fill="hold"/>
+                                        <p:tgtEl>
+                                          <p:spTgt spid="3">
+                                            <p:txEl>
+                                              <p:pRg st="1" end="1"/>
+                                            </p:txEl>
+                                          </p:spTgt>
+                                        </p:tgtEl>
+                                        <p:attrNameLst>
+                                          <p:attrName>style.color</p:attrName>
+                                        </p:attrNameLst>
+                                      </p:cBhvr>
+                                      <p:to>
+                                        <a:srgbClr val="FF0000"/>
+                                      </p:to>
+                                    </p:animClr>
+                                  </p:childTnLst>
+                                </p:cTn>
+                              </p:par>
+                            </p:childTnLst>
+                          </p:cTn>
+                        </p:par>
+                      </p:childTnLst>
+                    </p:cTn>
+                  </p:par>
+                  <p:par>
+                    <p:cTn id="11" fill="hold">
+                      <p:stCondLst>
+                        <p:cond delay="indefinite"/>
+                      </p:stCondLst>
+                      <p:childTnLst>
+                        <p:par>
+                          <p:cTn id="12" fill="hold">
+                            <p:stCondLst>
+                              <p:cond delay="0"/>
+                            </p:stCondLst>
+                            <p:childTnLst>
+                              <p:par>
+                                <p:cTn id="13" presetID="3" presetClass="emph" presetSubtype="2" fill="hold" nodeType="clickEffect">
+                                  <p:stCondLst>
+                                    <p:cond delay="0"/>
+                                  </p:stCondLst>
+                                  <p:childTnLst>
+                                    <p:animClr clrSpc="rgb" dir="cw">
+                                      <p:cBhvr override="childStyle">
+                                        <p:cTn id="14" dur="10" fill="hold"/>
+                                        <p:tgtEl>
+                                          <p:spTgt spid="3">
+                                            <p:txEl>
+                                              <p:pRg st="3" end="3"/>
+                                            </p:txEl>
+                                          </p:spTgt>
+                                        </p:tgtEl>
+                                        <p:attrNameLst>
+                                          <p:attrName>style.color</p:attrName>
+                                        </p:attrNameLst>
+                                      </p:cBhvr>
+                                      <p:to>
+                                        <a:srgbClr val="FF0000"/>
+                                      </p:to>
+                                    </p:animClr>
+                                  </p:childTnLst>
+                                </p:cTn>
+                              </p:par>
+                              <p:par>
+                                <p:cTn id="15" presetID="3" presetClass="emph" presetSubtype="2" fill="hold" nodeType="withEffect">
+                                  <p:stCondLst>
+                                    <p:cond delay="0"/>
+                                  </p:stCondLst>
+                                  <p:childTnLst>
+                                    <p:animClr clrSpc="rgb" dir="cw">
+                                      <p:cBhvr override="childStyle">
+                                        <p:cTn id="16" dur="10" fill="hold"/>
+                                        <p:tgtEl>
+                                          <p:spTgt spid="3">
+                                            <p:txEl>
+                                              <p:pRg st="0" end="0"/>
+                                            </p:txEl>
+                                          </p:spTgt>
+                                        </p:tgtEl>
+                                        <p:attrNameLst>
+                                          <p:attrName>style.color</p:attrName>
+                                        </p:attrNameLst>
+                                      </p:cBhvr>
+                                      <p:to>
+                                        <a:srgbClr val="000000"/>
+                                      </p:to>
+                                    </p:animClr>
+                                  </p:childTnLst>
+                                </p:cTn>
+                              </p:par>
+                              <p:par>
+                                <p:cTn id="17" presetID="3" presetClass="emph" presetSubtype="2" fill="hold" nodeType="withEffect">
+                                  <p:stCondLst>
+                                    <p:cond delay="0"/>
+                                  </p:stCondLst>
+                                  <p:childTnLst>
+                                    <p:animClr clrSpc="rgb" dir="cw">
+                                      <p:cBhvr override="childStyle">
+                                        <p:cTn id="18" dur="10" fill="hold"/>
+                                        <p:tgtEl>
+                                          <p:spTgt spid="3">
+                                            <p:txEl>
+                                              <p:pRg st="1" end="1"/>
+                                            </p:txEl>
+                                          </p:spTgt>
+                                        </p:tgtEl>
+                                        <p:attrNameLst>
+                                          <p:attrName>style.color</p:attrName>
+                                        </p:attrNameLst>
+                                      </p:cBhvr>
+                                      <p:to>
+                                        <a:srgbClr val="000000"/>
+                                      </p:to>
+                                    </p:animClr>
+                                  </p:childTnLst>
+                                </p:cTn>
+                              </p:par>
+                            </p:childTnLst>
+                          </p:cTn>
+                        </p:par>
+                      </p:childTnLst>
+                    </p:cTn>
+                  </p:par>
+                  <p:par>
+                    <p:cTn id="19" fill="hold">
+                      <p:stCondLst>
+                        <p:cond delay="indefinite"/>
+                      </p:stCondLst>
+                      <p:childTnLst>
+                        <p:par>
+                          <p:cTn id="20" fill="hold">
+                            <p:stCondLst>
+                              <p:cond delay="0"/>
+                            </p:stCondLst>
+                            <p:childTnLst>
+                              <p:par>
+                                <p:cTn id="21" presetID="3" presetClass="emph" presetSubtype="2" fill="hold" nodeType="clickEffect">
+                                  <p:stCondLst>
+                                    <p:cond delay="0"/>
+                                  </p:stCondLst>
+                                  <p:childTnLst>
+                                    <p:animClr clrSpc="rgb" dir="cw">
+                                      <p:cBhvr override="childStyle">
+                                        <p:cTn id="22" dur="10" fill="hold"/>
+                                        <p:tgtEl>
+                                          <p:spTgt spid="3">
+                                            <p:txEl>
+                                              <p:pRg st="4" end="4"/>
+                                            </p:txEl>
+                                          </p:spTgt>
+                                        </p:tgtEl>
+                                        <p:attrNameLst>
+                                          <p:attrName>style.color</p:attrName>
+                                        </p:attrNameLst>
+                                      </p:cBhvr>
+                                      <p:to>
+                                        <a:srgbClr val="FF0000"/>
+                                      </p:to>
+                                    </p:animClr>
+                                  </p:childTnLst>
+                                </p:cTn>
+                              </p:par>
+                            </p:childTnLst>
+                          </p:cTn>
+                        </p:par>
+                      </p:childTnLst>
+                    </p:cTn>
+                  </p:par>
+                  <p:par>
+                    <p:cTn id="23" fill="hold">
+                      <p:stCondLst>
+                        <p:cond delay="indefinite"/>
+                      </p:stCondLst>
+                      <p:childTnLst>
+                        <p:par>
+                          <p:cTn id="24" fill="hold">
+                            <p:stCondLst>
+                              <p:cond delay="0"/>
+                            </p:stCondLst>
+                            <p:childTnLst>
+                              <p:par>
+                                <p:cTn id="25" presetID="3" presetClass="emph" presetSubtype="2" fill="hold" nodeType="clickEffect">
+                                  <p:stCondLst>
+                                    <p:cond delay="0"/>
+                                  </p:stCondLst>
+                                  <p:childTnLst>
+                                    <p:animClr clrSpc="rgb" dir="cw">
+                                      <p:cBhvr override="childStyle">
+                                        <p:cTn id="26" dur="10" fill="hold"/>
+                                        <p:tgtEl>
+                                          <p:spTgt spid="3">
+                                            <p:txEl>
+                                              <p:pRg st="6" end="6"/>
+                                            </p:txEl>
+                                          </p:spTgt>
+                                        </p:tgtEl>
+                                        <p:attrNameLst>
+                                          <p:attrName>style.color</p:attrName>
+                                        </p:attrNameLst>
+                                      </p:cBhvr>
+                                      <p:to>
+                                        <a:srgbClr val="FF0000"/>
+                                      </p:to>
+                                    </p:animClr>
+                                  </p:childTnLst>
+                                </p:cTn>
+                              </p:par>
+                              <p:par>
+                                <p:cTn id="27" presetID="3" presetClass="emph" presetSubtype="2" fill="hold" nodeType="withEffect">
+                                  <p:stCondLst>
+                                    <p:cond delay="0"/>
+                                  </p:stCondLst>
+                                  <p:childTnLst>
+                                    <p:animClr clrSpc="rgb" dir="cw">
+                                      <p:cBhvr override="childStyle">
+                                        <p:cTn id="28" dur="10" fill="hold"/>
+                                        <p:tgtEl>
+                                          <p:spTgt spid="3">
+                                            <p:txEl>
+                                              <p:pRg st="3" end="3"/>
+                                            </p:txEl>
+                                          </p:spTgt>
+                                        </p:tgtEl>
+                                        <p:attrNameLst>
+                                          <p:attrName>style.color</p:attrName>
+                                        </p:attrNameLst>
+                                      </p:cBhvr>
+                                      <p:to>
+                                        <a:srgbClr val="000000"/>
+                                      </p:to>
+                                    </p:animClr>
+                                  </p:childTnLst>
+                                </p:cTn>
+                              </p:par>
+                              <p:par>
+                                <p:cTn id="29" presetID="3" presetClass="emph" presetSubtype="2" fill="hold" nodeType="withEffect">
+                                  <p:stCondLst>
+                                    <p:cond delay="0"/>
+                                  </p:stCondLst>
+                                  <p:childTnLst>
+                                    <p:animClr clrSpc="rgb" dir="cw">
+                                      <p:cBhvr override="childStyle">
+                                        <p:cTn id="30" dur="10" fill="hold"/>
+                                        <p:tgtEl>
+                                          <p:spTgt spid="3">
+                                            <p:txEl>
+                                              <p:pRg st="4" end="4"/>
+                                            </p:txEl>
+                                          </p:spTgt>
+                                        </p:tgtEl>
+                                        <p:attrNameLst>
+                                          <p:attrName>style.color</p:attrName>
+                                        </p:attrNameLst>
+                                      </p:cBhvr>
+                                      <p:to>
+                                        <a:srgbClr val="000000"/>
+                                      </p:to>
+                                    </p:animClr>
+                                  </p:childTnLst>
+                                </p:cTn>
+                              </p:par>
+                            </p:childTnLst>
+                          </p:cTn>
+                        </p:par>
+                      </p:childTnLst>
+                    </p:cTn>
+                  </p:par>
+                  <p:par>
+                    <p:cTn id="31" fill="hold">
+                      <p:stCondLst>
+                        <p:cond delay="indefinite"/>
+                      </p:stCondLst>
+                      <p:childTnLst>
+                        <p:par>
+                          <p:cTn id="32" fill="hold">
+                            <p:stCondLst>
+                              <p:cond delay="0"/>
+                            </p:stCondLst>
+                            <p:childTnLst>
+                              <p:par>
+                                <p:cTn id="33" presetID="3" presetClass="emph" presetSubtype="2" fill="hold" nodeType="clickEffect">
+                                  <p:stCondLst>
+                                    <p:cond delay="0"/>
+                                  </p:stCondLst>
+                                  <p:childTnLst>
+                                    <p:animClr clrSpc="rgb" dir="cw">
+                                      <p:cBhvr override="childStyle">
+                                        <p:cTn id="34" dur="10" fill="hold"/>
+                                        <p:tgtEl>
+                                          <p:spTgt spid="3">
+                                            <p:txEl>
+                                              <p:pRg st="7" end="7"/>
+                                            </p:txEl>
+                                          </p:spTgt>
+                                        </p:tgtEl>
+                                        <p:attrNameLst>
+                                          <p:attrName>style.color</p:attrName>
+                                        </p:attrNameLst>
+                                      </p:cBhvr>
+                                      <p:to>
+                                        <a:srgbClr val="FF0000"/>
+                                      </p:to>
+                                    </p:animClr>
+                                  </p:childTnLst>
+                                </p:cTn>
+                              </p:par>
+                            </p:childTnLst>
+                          </p:cTn>
+                        </p:par>
+                      </p:childTnLst>
+                    </p:cTn>
+                  </p:par>
+                  <p:par>
+                    <p:cTn id="35" fill="hold">
+                      <p:stCondLst>
+                        <p:cond delay="indefinite"/>
+                      </p:stCondLst>
+                      <p:childTnLst>
+                        <p:par>
+                          <p:cTn id="36" fill="hold">
+                            <p:stCondLst>
+                              <p:cond delay="0"/>
+                            </p:stCondLst>
+                            <p:childTnLst>
+                              <p:par>
+                                <p:cTn id="37" presetID="3" presetClass="emph" presetSubtype="2" fill="hold" nodeType="clickEffect">
+                                  <p:stCondLst>
+                                    <p:cond delay="0"/>
+                                  </p:stCondLst>
+                                  <p:childTnLst>
+                                    <p:animClr clrSpc="rgb" dir="cw">
+                                      <p:cBhvr override="childStyle">
+                                        <p:cTn id="38" dur="10" fill="hold"/>
+                                        <p:tgtEl>
+                                          <p:spTgt spid="3">
+                                            <p:txEl>
+                                              <p:pRg st="9" end="9"/>
+                                            </p:txEl>
+                                          </p:spTgt>
+                                        </p:tgtEl>
+                                        <p:attrNameLst>
+                                          <p:attrName>style.color</p:attrName>
+                                        </p:attrNameLst>
+                                      </p:cBhvr>
+                                      <p:to>
+                                        <a:srgbClr val="FF0000"/>
+                                      </p:to>
+                                    </p:animClr>
+                                  </p:childTnLst>
+                                </p:cTn>
+                              </p:par>
+                              <p:par>
+                                <p:cTn id="39" presetID="3" presetClass="emph" presetSubtype="2" fill="hold" nodeType="withEffect">
+                                  <p:stCondLst>
+                                    <p:cond delay="0"/>
+                                  </p:stCondLst>
+                                  <p:childTnLst>
+                                    <p:animClr clrSpc="rgb" dir="cw">
+                                      <p:cBhvr override="childStyle">
+                                        <p:cTn id="40" dur="10" fill="hold"/>
+                                        <p:tgtEl>
+                                          <p:spTgt spid="3">
+                                            <p:txEl>
+                                              <p:pRg st="6" end="6"/>
+                                            </p:txEl>
+                                          </p:spTgt>
+                                        </p:tgtEl>
+                                        <p:attrNameLst>
+                                          <p:attrName>style.color</p:attrName>
+                                        </p:attrNameLst>
+                                      </p:cBhvr>
+                                      <p:to>
+                                        <a:srgbClr val="000000"/>
+                                      </p:to>
+                                    </p:animClr>
+                                  </p:childTnLst>
+                                </p:cTn>
+                              </p:par>
+                              <p:par>
+                                <p:cTn id="41" presetID="3" presetClass="emph" presetSubtype="2" fill="hold" nodeType="withEffect">
+                                  <p:stCondLst>
+                                    <p:cond delay="0"/>
+                                  </p:stCondLst>
+                                  <p:childTnLst>
+                                    <p:animClr clrSpc="rgb" dir="cw">
+                                      <p:cBhvr override="childStyle">
+                                        <p:cTn id="42" dur="10" fill="hold"/>
+                                        <p:tgtEl>
+                                          <p:spTgt spid="3">
+                                            <p:txEl>
+                                              <p:pRg st="7" end="7"/>
+                                            </p:txEl>
+                                          </p:spTgt>
+                                        </p:tgtEl>
+                                        <p:attrNameLst>
+                                          <p:attrName>style.color</p:attrName>
+                                        </p:attrNameLst>
+                                      </p:cBhvr>
+                                      <p:to>
+                                        <a:srgbClr val="000000"/>
+                                      </p:to>
+                                    </p:animClr>
+                                  </p:childTnLst>
+                                </p:cTn>
+                              </p:par>
+                            </p:childTnLst>
+                          </p:cTn>
+                        </p:par>
+                      </p:childTnLst>
+                    </p:cTn>
+                  </p:par>
+                  <p:par>
+                    <p:cTn id="43" fill="hold">
+                      <p:stCondLst>
+                        <p:cond delay="indefinite"/>
+                      </p:stCondLst>
+                      <p:childTnLst>
+                        <p:par>
+                          <p:cTn id="44" fill="hold">
+                            <p:stCondLst>
+                              <p:cond delay="0"/>
+                            </p:stCondLst>
+                            <p:childTnLst>
+                              <p:par>
+                                <p:cTn id="45" presetID="3" presetClass="emph" presetSubtype="2" fill="hold" nodeType="clickEffect">
+                                  <p:stCondLst>
+                                    <p:cond delay="0"/>
+                                  </p:stCondLst>
+                                  <p:childTnLst>
+                                    <p:animClr clrSpc="rgb" dir="cw">
+                                      <p:cBhvr override="childStyle">
+                                        <p:cTn id="46" dur="10" fill="hold"/>
+                                        <p:tgtEl>
+                                          <p:spTgt spid="3">
+                                            <p:txEl>
+                                              <p:pRg st="10" end="10"/>
+                                            </p:txEl>
+                                          </p:spTgt>
+                                        </p:tgtEl>
+                                        <p:attrNameLst>
+                                          <p:attrName>style.color</p:attrName>
+                                        </p:attrNameLst>
+                                      </p:cBhvr>
+                                      <p:to>
+                                        <a:srgbClr val="FF0000"/>
+                                      </p:to>
+                                    </p:animClr>
+                                  </p:childTnLst>
+                                </p:cTn>
+                              </p:par>
+                            </p:childTnLst>
+                          </p:cTn>
+                        </p:par>
+                      </p:childTnLst>
+                    </p:cTn>
+                  </p:par>
+                </p:childTnLst>
+              </p:cTn>
+              <p:prevCondLst>
+                <p:cond evt="onPrev" delay="0">
+                  <p:tgtEl>
+                    <p:sldTgt/>
+                  </p:tgtEl>
+                </p:cond>
+              </p:prevCondLst>
+              <p:nextCondLst>
+                <p:cond evt="onNext" delay="0">
+                  <p:tgtEl>
+                    <p:sldTgt/>
+                  </p:tgtEl>
+                </p:cond>
+              </p:nextCondLst>
+            </p:seq>
+          </p:childTnLst>
+        </p:cTn>
+      </p:par>
+    </p:tnLst>
+  </p:timing>
+</p:sld>
+</file>
+
+<file path=ppt/slides/slide11.xml><?xml version="1.0" encoding="utf-8"?>
 <p:sld xmlns:a="http://schemas.openxmlformats.org/drawingml/2006/main" xmlns:r="http://schemas.openxmlformats.org/officeDocument/2006/relationships" xmlns:p="http://schemas.openxmlformats.org/presentationml/2006/main">
   <p:cSld>
     <p:spTree>
@@ -7068,8 +7829,8 @@
         </p:nvSpPr>
         <p:spPr>
           <a:xfrm>
-            <a:off x="838200" y="2635863"/>
-            <a:ext cx="10901082" cy="1877437"/>
+            <a:off x="575214" y="2747375"/>
+            <a:ext cx="11353800" cy="1877437"/>
           </a:xfrm>
           <a:prstGeom prst="rect">
             <a:avLst/>
@@ -7128,7 +7889,7 @@
                 <a:latin typeface="メイリオ"/>
                 <a:ea typeface="メイリオ"/>
               </a:rPr>
-              <a:t>③ 期間・商品名・一押し食材など条件をしての売上検索</a:t>
+              <a:t>③ 期間・商品名・一押し食材など条件を指定しての売上検索</a:t>
             </a:r>
             <a:endParaRPr lang="ja-JP" altLang="en-US" sz="3200" b="1" dirty="0">
               <a:latin typeface="メイリオ" panose="020B0604030504040204" pitchFamily="50" charset="-128"/>
@@ -7338,33 +8099,6 @@
                                   </p:childTnLst>
                                 </p:cTn>
                               </p:par>
-                              <p:par>
-                                <p:cTn id="19" presetID="3" presetClass="emph" presetSubtype="2" fill="hold" nodeType="withEffect">
-                                  <p:stCondLst>
-                                    <p:cond delay="0"/>
-                                  </p:stCondLst>
-                                  <p:childTnLst>
-                                    <p:animClr clrSpc="rgb" dir="cw">
-                                      <p:cBhvr override="childStyle">
-                                        <p:cTn id="20" dur="10" fill="hold"/>
-                                        <p:tgtEl>
-                                          <p:spTgt spid="5">
-                                            <p:txEl>
-                                              <p:pRg st="4" end="4"/>
-                                            </p:txEl>
-                                          </p:spTgt>
-                                        </p:tgtEl>
-                                        <p:attrNameLst>
-                                          <p:attrName>style.color</p:attrName>
-                                        </p:attrNameLst>
-                                      </p:cBhvr>
-                                      <p:to>
-                                        <a:srgbClr val="000000"/>
-                                      </p:to>
-                                    </p:animClr>
-                                  </p:childTnLst>
-                                </p:cTn>
-                              </p:par>
                             </p:childTnLst>
                           </p:cTn>
                         </p:par>
@@ -7397,6 +8131,530 @@
 </file>
 
 <file path=ppt/slides/slide6.xml><?xml version="1.0" encoding="utf-8"?>
+<p:sld xmlns:a="http://schemas.openxmlformats.org/drawingml/2006/main" xmlns:r="http://schemas.openxmlformats.org/officeDocument/2006/relationships" xmlns:p="http://schemas.openxmlformats.org/presentationml/2006/main" show="0">
+  <p:cSld>
+    <p:spTree>
+      <p:nvGrpSpPr>
+        <p:cNvPr id="1" name=""/>
+        <p:cNvGrpSpPr/>
+        <p:nvPr/>
+      </p:nvGrpSpPr>
+      <p:grpSpPr>
+        <a:xfrm>
+          <a:off x="0" y="0"/>
+          <a:ext cx="0" cy="0"/>
+          <a:chOff x="0" y="0"/>
+          <a:chExt cx="0" cy="0"/>
+        </a:xfrm>
+      </p:grpSpPr>
+      <p:sp>
+        <p:nvSpPr>
+          <p:cNvPr id="13" name="四角形: 角を丸くする 12">
+            <a:extLst>
+              <a:ext uri="{FF2B5EF4-FFF2-40B4-BE49-F238E27FC236}">
+                <a16:creationId xmlns:a16="http://schemas.microsoft.com/office/drawing/2014/main" id="{05663130-50F2-4BC4-9862-FD9FE15F3BFE}"/>
+              </a:ext>
+            </a:extLst>
+          </p:cNvPr>
+          <p:cNvSpPr/>
+          <p:nvPr/>
+        </p:nvSpPr>
+        <p:spPr>
+          <a:xfrm>
+            <a:off x="2185990" y="2707741"/>
+            <a:ext cx="7816157" cy="4081603"/>
+          </a:xfrm>
+          <a:prstGeom prst="roundRect">
+            <a:avLst/>
+          </a:prstGeom>
+          <a:ln/>
+        </p:spPr>
+        <p:style>
+          <a:lnRef idx="2">
+            <a:schemeClr val="dk1"/>
+          </a:lnRef>
+          <a:fillRef idx="1">
+            <a:schemeClr val="lt1"/>
+          </a:fillRef>
+          <a:effectRef idx="0">
+            <a:schemeClr val="dk1"/>
+          </a:effectRef>
+          <a:fontRef idx="minor">
+            <a:schemeClr val="dk1"/>
+          </a:fontRef>
+        </p:style>
+        <p:txBody>
+          <a:bodyPr rtlCol="0" anchor="ctr"/>
+          <a:lstStyle/>
+          <a:p>
+            <a:pPr algn="ctr"/>
+            <a:endParaRPr lang="ja-JP" altLang="en-US"/>
+          </a:p>
+        </p:txBody>
+      </p:sp>
+      <p:pic>
+        <p:nvPicPr>
+          <p:cNvPr id="2" name="図 2" descr="モニター, 暗い, 座る, フロント が含まれている画像&#10;&#10;説明は自動で生成されたものです">
+            <a:extLst>
+              <a:ext uri="{FF2B5EF4-FFF2-40B4-BE49-F238E27FC236}">
+                <a16:creationId xmlns:a16="http://schemas.microsoft.com/office/drawing/2014/main" id="{FBDC177D-3C94-4D6E-99B2-381F2C22D040}"/>
+              </a:ext>
+            </a:extLst>
+          </p:cNvPr>
+          <p:cNvPicPr>
+            <a:picLocks noChangeAspect="1"/>
+          </p:cNvPicPr>
+          <p:nvPr/>
+        </p:nvPicPr>
+        <p:blipFill>
+          <a:blip r:embed="rId3"/>
+          <a:stretch>
+            <a:fillRect/>
+          </a:stretch>
+        </p:blipFill>
+        <p:spPr>
+          <a:xfrm>
+            <a:off x="4772442" y="187083"/>
+            <a:ext cx="1971675" cy="571500"/>
+          </a:xfrm>
+          <a:prstGeom prst="rect">
+            <a:avLst/>
+          </a:prstGeom>
+        </p:spPr>
+      </p:pic>
+      <p:sp>
+        <p:nvSpPr>
+          <p:cNvPr id="6" name="楕円 5">
+            <a:extLst>
+              <a:ext uri="{FF2B5EF4-FFF2-40B4-BE49-F238E27FC236}">
+                <a16:creationId xmlns:a16="http://schemas.microsoft.com/office/drawing/2014/main" id="{959E8014-AA5A-498A-B61F-66D00ED461FF}"/>
+              </a:ext>
+            </a:extLst>
+          </p:cNvPr>
+          <p:cNvSpPr/>
+          <p:nvPr/>
+        </p:nvSpPr>
+        <p:spPr>
+          <a:xfrm>
+            <a:off x="3647036" y="866868"/>
+            <a:ext cx="4224948" cy="1757881"/>
+          </a:xfrm>
+          <a:prstGeom prst="ellipse">
+            <a:avLst/>
+          </a:prstGeom>
+        </p:spPr>
+        <p:style>
+          <a:lnRef idx="2">
+            <a:schemeClr val="accent1"/>
+          </a:lnRef>
+          <a:fillRef idx="1">
+            <a:schemeClr val="lt1"/>
+          </a:fillRef>
+          <a:effectRef idx="0">
+            <a:schemeClr val="accent1"/>
+          </a:effectRef>
+          <a:fontRef idx="minor">
+            <a:schemeClr val="dk1"/>
+          </a:fontRef>
+        </p:style>
+        <p:txBody>
+          <a:bodyPr rtlCol="0" anchor="ctr"/>
+          <a:lstStyle/>
+          <a:p>
+            <a:pPr algn="ctr"/>
+            <a:endParaRPr lang="ja-JP" altLang="en-US"/>
+          </a:p>
+        </p:txBody>
+      </p:sp>
+      <p:pic>
+        <p:nvPicPr>
+          <p:cNvPr id="4" name="図 4">
+            <a:extLst>
+              <a:ext uri="{FF2B5EF4-FFF2-40B4-BE49-F238E27FC236}">
+                <a16:creationId xmlns:a16="http://schemas.microsoft.com/office/drawing/2014/main" id="{D30DE7B0-3620-4A58-84C7-66408A6333F4}"/>
+              </a:ext>
+            </a:extLst>
+          </p:cNvPr>
+          <p:cNvPicPr>
+            <a:picLocks noChangeAspect="1"/>
+          </p:cNvPicPr>
+          <p:nvPr/>
+        </p:nvPicPr>
+        <p:blipFill>
+          <a:blip r:embed="rId4"/>
+          <a:stretch>
+            <a:fillRect/>
+          </a:stretch>
+        </p:blipFill>
+        <p:spPr>
+          <a:xfrm>
+            <a:off x="5210209" y="1091709"/>
+            <a:ext cx="1104900" cy="1104900"/>
+          </a:xfrm>
+          <a:prstGeom prst="rect">
+            <a:avLst/>
+          </a:prstGeom>
+        </p:spPr>
+      </p:pic>
+      <p:sp>
+        <p:nvSpPr>
+          <p:cNvPr id="9" name="テキスト ボックス 8">
+            <a:extLst>
+              <a:ext uri="{FF2B5EF4-FFF2-40B4-BE49-F238E27FC236}">
+                <a16:creationId xmlns:a16="http://schemas.microsoft.com/office/drawing/2014/main" id="{9D991B75-8B39-448E-8E55-1F514768B380}"/>
+              </a:ext>
+            </a:extLst>
+          </p:cNvPr>
+          <p:cNvSpPr txBox="1"/>
+          <p:nvPr/>
+        </p:nvSpPr>
+        <p:spPr>
+          <a:xfrm>
+            <a:off x="5093110" y="2113838"/>
+            <a:ext cx="1404891" cy="369332"/>
+          </a:xfrm>
+          <a:prstGeom prst="rect">
+            <a:avLst/>
+          </a:prstGeom>
+          <a:noFill/>
+        </p:spPr>
+        <p:txBody>
+          <a:bodyPr rot="0" spcFirstLastPara="0" vertOverflow="overflow" horzOverflow="overflow" vert="horz" wrap="square" lIns="91440" tIns="45720" rIns="91440" bIns="45720" numCol="1" spcCol="0" rtlCol="0" fromWordArt="0" anchor="t" anchorCtr="0" forceAA="0" compatLnSpc="1">
+            <a:prstTxWarp prst="textNoShape">
+              <a:avLst/>
+            </a:prstTxWarp>
+            <a:spAutoFit/>
+          </a:bodyPr>
+          <a:lstStyle/>
+          <a:p>
+            <a:pPr algn="ctr"/>
+            <a:r>
+              <a:rPr lang="ja-JP" altLang="en-US">
+                <a:ea typeface="游ゴシック"/>
+              </a:rPr>
+              <a:t>AIサーバー</a:t>
+            </a:r>
+          </a:p>
+        </p:txBody>
+      </p:sp>
+      <p:pic>
+        <p:nvPicPr>
+          <p:cNvPr id="5" name="図 5" descr="記号, モニター, 画面, ノートパソコン が含まれている画像&#10;&#10;説明は自動で生成されたものです">
+            <a:extLst>
+              <a:ext uri="{FF2B5EF4-FFF2-40B4-BE49-F238E27FC236}">
+                <a16:creationId xmlns:a16="http://schemas.microsoft.com/office/drawing/2014/main" id="{D0EB807A-4251-489D-91E5-A296310CDFCE}"/>
+              </a:ext>
+            </a:extLst>
+          </p:cNvPr>
+          <p:cNvPicPr>
+            <a:picLocks noChangeAspect="1"/>
+          </p:cNvPicPr>
+          <p:nvPr/>
+        </p:nvPicPr>
+        <p:blipFill>
+          <a:blip r:embed="rId5"/>
+          <a:stretch>
+            <a:fillRect/>
+          </a:stretch>
+        </p:blipFill>
+        <p:spPr>
+          <a:xfrm>
+            <a:off x="2630732" y="2808840"/>
+            <a:ext cx="1019175" cy="1019175"/>
+          </a:xfrm>
+          <a:prstGeom prst="rect">
+            <a:avLst/>
+          </a:prstGeom>
+        </p:spPr>
+      </p:pic>
+      <p:sp>
+        <p:nvSpPr>
+          <p:cNvPr id="14" name="楕円 13">
+            <a:extLst>
+              <a:ext uri="{FF2B5EF4-FFF2-40B4-BE49-F238E27FC236}">
+                <a16:creationId xmlns:a16="http://schemas.microsoft.com/office/drawing/2014/main" id="{CB6C13F0-40C6-4FA6-9D54-B4DF6BC8DBD3}"/>
+              </a:ext>
+            </a:extLst>
+          </p:cNvPr>
+          <p:cNvSpPr/>
+          <p:nvPr/>
+        </p:nvSpPr>
+        <p:spPr>
+          <a:xfrm>
+            <a:off x="2434473" y="3430070"/>
+            <a:ext cx="6933445" cy="3229069"/>
+          </a:xfrm>
+          <a:prstGeom prst="ellipse">
+            <a:avLst/>
+          </a:prstGeom>
+        </p:spPr>
+        <p:style>
+          <a:lnRef idx="2">
+            <a:schemeClr val="accent1"/>
+          </a:lnRef>
+          <a:fillRef idx="1">
+            <a:schemeClr val="lt1"/>
+          </a:fillRef>
+          <a:effectRef idx="0">
+            <a:schemeClr val="accent1"/>
+          </a:effectRef>
+          <a:fontRef idx="minor">
+            <a:schemeClr val="dk1"/>
+          </a:fontRef>
+        </p:style>
+        <p:txBody>
+          <a:bodyPr rtlCol="0" anchor="ctr"/>
+          <a:lstStyle/>
+          <a:p>
+            <a:pPr algn="ctr"/>
+            <a:r>
+              <a:rPr lang="ja-JP" altLang="en-US">
+                <a:latin typeface="游ゴシック"/>
+                <a:ea typeface="游ゴシック"/>
+                <a:cs typeface="游ゴシック"/>
+              </a:rPr>
+              <a:t>​</a:t>
+            </a:r>
+            <a:endParaRPr lang="ja-JP" altLang="en-US"/>
+          </a:p>
+        </p:txBody>
+      </p:sp>
+      <p:pic>
+        <p:nvPicPr>
+          <p:cNvPr id="7" name="図 7">
+            <a:extLst>
+              <a:ext uri="{FF2B5EF4-FFF2-40B4-BE49-F238E27FC236}">
+                <a16:creationId xmlns:a16="http://schemas.microsoft.com/office/drawing/2014/main" id="{EE47C720-53F1-4A64-A2CF-543EB3FC162D}"/>
+              </a:ext>
+            </a:extLst>
+          </p:cNvPr>
+          <p:cNvPicPr>
+            <a:picLocks noChangeAspect="1"/>
+          </p:cNvPicPr>
+          <p:nvPr/>
+        </p:nvPicPr>
+        <p:blipFill>
+          <a:blip r:embed="rId6"/>
+          <a:stretch>
+            <a:fillRect/>
+          </a:stretch>
+        </p:blipFill>
+        <p:spPr>
+          <a:xfrm>
+            <a:off x="4984527" y="3580957"/>
+            <a:ext cx="1552575" cy="942975"/>
+          </a:xfrm>
+          <a:prstGeom prst="rect">
+            <a:avLst/>
+          </a:prstGeom>
+        </p:spPr>
+      </p:pic>
+      <p:pic>
+        <p:nvPicPr>
+          <p:cNvPr id="8" name="図 8" descr="記号, 時計, 男, 選手 が含まれている画像&#10;&#10;説明は自動で生成されたものです">
+            <a:extLst>
+              <a:ext uri="{FF2B5EF4-FFF2-40B4-BE49-F238E27FC236}">
+                <a16:creationId xmlns:a16="http://schemas.microsoft.com/office/drawing/2014/main" id="{71794917-5F9F-4917-8CCB-29747468259B}"/>
+              </a:ext>
+            </a:extLst>
+          </p:cNvPr>
+          <p:cNvPicPr>
+            <a:picLocks noChangeAspect="1"/>
+          </p:cNvPicPr>
+          <p:nvPr/>
+        </p:nvPicPr>
+        <p:blipFill>
+          <a:blip r:embed="rId7"/>
+          <a:stretch>
+            <a:fillRect/>
+          </a:stretch>
+        </p:blipFill>
+        <p:spPr>
+          <a:xfrm>
+            <a:off x="2953444" y="4657605"/>
+            <a:ext cx="1209675" cy="1219200"/>
+          </a:xfrm>
+          <a:prstGeom prst="rect">
+            <a:avLst/>
+          </a:prstGeom>
+        </p:spPr>
+      </p:pic>
+      <p:pic>
+        <p:nvPicPr>
+          <p:cNvPr id="12" name="図 12">
+            <a:extLst>
+              <a:ext uri="{FF2B5EF4-FFF2-40B4-BE49-F238E27FC236}">
+                <a16:creationId xmlns:a16="http://schemas.microsoft.com/office/drawing/2014/main" id="{C528519E-2396-47E2-BC51-6E022C856B73}"/>
+              </a:ext>
+            </a:extLst>
+          </p:cNvPr>
+          <p:cNvPicPr>
+            <a:picLocks noChangeAspect="1"/>
+          </p:cNvPicPr>
+          <p:nvPr/>
+        </p:nvPicPr>
+        <p:blipFill>
+          <a:blip r:embed="rId8"/>
+          <a:stretch>
+            <a:fillRect/>
+          </a:stretch>
+        </p:blipFill>
+        <p:spPr>
+          <a:xfrm>
+            <a:off x="6593745" y="4684627"/>
+            <a:ext cx="751438" cy="1039393"/>
+          </a:xfrm>
+          <a:prstGeom prst="rect">
+            <a:avLst/>
+          </a:prstGeom>
+        </p:spPr>
+      </p:pic>
+      <p:pic>
+        <p:nvPicPr>
+          <p:cNvPr id="11" name="図 11">
+            <a:extLst>
+              <a:ext uri="{FF2B5EF4-FFF2-40B4-BE49-F238E27FC236}">
+                <a16:creationId xmlns:a16="http://schemas.microsoft.com/office/drawing/2014/main" id="{9FA396CD-A57A-4D07-94AD-BF3DE19BB834}"/>
+              </a:ext>
+            </a:extLst>
+          </p:cNvPr>
+          <p:cNvPicPr>
+            <a:picLocks noChangeAspect="1"/>
+          </p:cNvPicPr>
+          <p:nvPr/>
+        </p:nvPicPr>
+        <p:blipFill>
+          <a:blip r:embed="rId9"/>
+          <a:stretch>
+            <a:fillRect/>
+          </a:stretch>
+        </p:blipFill>
+        <p:spPr>
+          <a:xfrm>
+            <a:off x="4597440" y="4748503"/>
+            <a:ext cx="1068309" cy="982381"/>
+          </a:xfrm>
+          <a:prstGeom prst="rect">
+            <a:avLst/>
+          </a:prstGeom>
+        </p:spPr>
+      </p:pic>
+      <p:pic>
+        <p:nvPicPr>
+          <p:cNvPr id="10" name="図 10">
+            <a:extLst>
+              <a:ext uri="{FF2B5EF4-FFF2-40B4-BE49-F238E27FC236}">
+                <a16:creationId xmlns:a16="http://schemas.microsoft.com/office/drawing/2014/main" id="{613DE04C-7D2C-4D0F-9CBC-40846A906CE5}"/>
+              </a:ext>
+            </a:extLst>
+          </p:cNvPr>
+          <p:cNvPicPr>
+            <a:picLocks noChangeAspect="1"/>
+          </p:cNvPicPr>
+          <p:nvPr/>
+        </p:nvPicPr>
+        <p:blipFill>
+          <a:blip r:embed="rId10"/>
+          <a:stretch>
+            <a:fillRect/>
+          </a:stretch>
+        </p:blipFill>
+        <p:spPr>
+          <a:xfrm>
+            <a:off x="7902033" y="4750759"/>
+            <a:ext cx="990600" cy="1038225"/>
+          </a:xfrm>
+          <a:prstGeom prst="rect">
+            <a:avLst/>
+          </a:prstGeom>
+        </p:spPr>
+      </p:pic>
+      <p:sp>
+        <p:nvSpPr>
+          <p:cNvPr id="3" name="テキスト ボックス 2">
+            <a:extLst>
+              <a:ext uri="{FF2B5EF4-FFF2-40B4-BE49-F238E27FC236}">
+                <a16:creationId xmlns:a16="http://schemas.microsoft.com/office/drawing/2014/main" id="{4A77CC0B-1233-4E0B-9A85-46E9E90429C1}"/>
+              </a:ext>
+            </a:extLst>
+          </p:cNvPr>
+          <p:cNvSpPr txBox="1"/>
+          <p:nvPr/>
+        </p:nvSpPr>
+        <p:spPr>
+          <a:xfrm>
+            <a:off x="5093110" y="6150076"/>
+            <a:ext cx="2743199" cy="369332"/>
+          </a:xfrm>
+          <a:prstGeom prst="rect">
+            <a:avLst/>
+          </a:prstGeom>
+          <a:noFill/>
+        </p:spPr>
+        <p:txBody>
+          <a:bodyPr rot="0" spcFirstLastPara="0" vertOverflow="overflow" horzOverflow="overflow" vert="horz" wrap="square" lIns="91440" tIns="45720" rIns="91440" bIns="45720" numCol="1" spcCol="0" rtlCol="0" fromWordArt="0" anchor="t" anchorCtr="0" forceAA="0" compatLnSpc="1">
+            <a:prstTxWarp prst="textNoShape">
+              <a:avLst/>
+            </a:prstTxWarp>
+            <a:spAutoFit/>
+          </a:bodyPr>
+          <a:lstStyle/>
+          <a:p>
+            <a:pPr algn="l"/>
+            <a:r>
+              <a:rPr lang="ja-JP" altLang="en-US">
+                <a:ea typeface="游ゴシック"/>
+              </a:rPr>
+              <a:t>Wedサーバー</a:t>
+            </a:r>
+          </a:p>
+        </p:txBody>
+      </p:sp>
+      <p:sp>
+        <p:nvSpPr>
+          <p:cNvPr id="15" name="タイトル 14">
+            <a:extLst>
+              <a:ext uri="{FF2B5EF4-FFF2-40B4-BE49-F238E27FC236}">
+                <a16:creationId xmlns:a16="http://schemas.microsoft.com/office/drawing/2014/main" id="{C51DB092-2D54-46E4-9ED5-5BEAF98E7DEE}"/>
+              </a:ext>
+            </a:extLst>
+          </p:cNvPr>
+          <p:cNvSpPr>
+            <a:spLocks noGrp="1"/>
+          </p:cNvSpPr>
+          <p:nvPr>
+            <p:ph type="title"/>
+          </p:nvPr>
+        </p:nvSpPr>
+        <p:spPr/>
+        <p:txBody>
+          <a:bodyPr/>
+          <a:lstStyle/>
+          <a:p>
+            <a:r>
+              <a:rPr lang="ja-JP" altLang="en-US" b="1" dirty="0">
+                <a:latin typeface="メイリオ" panose="020B0604030504040204" pitchFamily="50" charset="-128"/>
+                <a:ea typeface="メイリオ" panose="020B0604030504040204" pitchFamily="50" charset="-128"/>
+              </a:rPr>
+              <a:t>開発システムの構成</a:t>
+            </a:r>
+          </a:p>
+        </p:txBody>
+      </p:sp>
+    </p:spTree>
+    <p:extLst>
+      <p:ext uri="{BB962C8B-B14F-4D97-AF65-F5344CB8AC3E}">
+        <p14:creationId xmlns:p14="http://schemas.microsoft.com/office/powerpoint/2010/main" val="614373505"/>
+      </p:ext>
+    </p:extLst>
+  </p:cSld>
+  <p:clrMapOvr>
+    <a:masterClrMapping/>
+  </p:clrMapOvr>
+</p:sld>
+</file>
+
+<file path=ppt/slides/slide7.xml><?xml version="1.0" encoding="utf-8"?>
 <p:sld xmlns:a="http://schemas.openxmlformats.org/drawingml/2006/main" xmlns:r="http://schemas.openxmlformats.org/officeDocument/2006/relationships" xmlns:p="http://schemas.openxmlformats.org/presentationml/2006/main">
   <p:cSld>
     <p:spTree>
@@ -8709,75 +9967,6 @@
 </p:sld>
 </file>
 
-<file path=ppt/slides/slide7.xml><?xml version="1.0" encoding="utf-8"?>
-<p:sld xmlns:a="http://schemas.openxmlformats.org/drawingml/2006/main" xmlns:r="http://schemas.openxmlformats.org/officeDocument/2006/relationships" xmlns:p="http://schemas.openxmlformats.org/presentationml/2006/main">
-  <p:cSld>
-    <p:spTree>
-      <p:nvGrpSpPr>
-        <p:cNvPr id="1" name=""/>
-        <p:cNvGrpSpPr/>
-        <p:nvPr/>
-      </p:nvGrpSpPr>
-      <p:grpSpPr>
-        <a:xfrm>
-          <a:off x="0" y="0"/>
-          <a:ext cx="0" cy="0"/>
-          <a:chOff x="0" y="0"/>
-          <a:chExt cx="0" cy="0"/>
-        </a:xfrm>
-      </p:grpSpPr>
-      <p:sp>
-        <p:nvSpPr>
-          <p:cNvPr id="2" name="タイトル 1">
-            <a:extLst>
-              <a:ext uri="{FF2B5EF4-FFF2-40B4-BE49-F238E27FC236}">
-                <a16:creationId xmlns:a16="http://schemas.microsoft.com/office/drawing/2014/main" id="{8F8E4E54-7CFF-4369-BB5E-007BC9E1FB68}"/>
-              </a:ext>
-            </a:extLst>
-          </p:cNvPr>
-          <p:cNvSpPr>
-            <a:spLocks noGrp="1"/>
-          </p:cNvSpPr>
-          <p:nvPr>
-            <p:ph type="title"/>
-          </p:nvPr>
-        </p:nvSpPr>
-        <p:spPr>
-          <a:xfrm>
-            <a:off x="3153335" y="2766218"/>
-            <a:ext cx="5885329" cy="1325563"/>
-          </a:xfrm>
-        </p:spPr>
-        <p:txBody>
-          <a:bodyPr>
-            <a:normAutofit/>
-          </a:bodyPr>
-          <a:lstStyle/>
-          <a:p>
-            <a:pPr algn="ctr"/>
-            <a:r>
-              <a:rPr kumimoji="1" lang="ja-JP" altLang="en-US" sz="4000" b="1" dirty="0">
-                <a:latin typeface="メイリオ" panose="020B0604030504040204" pitchFamily="50" charset="-128"/>
-                <a:ea typeface="メイリオ" panose="020B0604030504040204" pitchFamily="50" charset="-128"/>
-              </a:rPr>
-              <a:t>デモンストレーション</a:t>
-            </a:r>
-          </a:p>
-        </p:txBody>
-      </p:sp>
-    </p:spTree>
-    <p:extLst>
-      <p:ext uri="{BB962C8B-B14F-4D97-AF65-F5344CB8AC3E}">
-        <p14:creationId xmlns:p14="http://schemas.microsoft.com/office/powerpoint/2010/main" val="683103669"/>
-      </p:ext>
-    </p:extLst>
-  </p:cSld>
-  <p:clrMapOvr>
-    <a:masterClrMapping/>
-  </p:clrMapOvr>
-</p:sld>
-</file>
-
 <file path=ppt/slides/slide8.xml><?xml version="1.0" encoding="utf-8"?>
 <p:sld xmlns:a="http://schemas.openxmlformats.org/drawingml/2006/main" xmlns:r="http://schemas.openxmlformats.org/officeDocument/2006/relationships" xmlns:p="http://schemas.openxmlformats.org/presentationml/2006/main">
   <p:cSld>
@@ -8797,93 +9986,39 @@
       </p:grpSpPr>
       <p:sp>
         <p:nvSpPr>
-          <p:cNvPr id="2" name="テキスト ボックス 1">
+          <p:cNvPr id="2" name="タイトル 1">
             <a:extLst>
               <a:ext uri="{FF2B5EF4-FFF2-40B4-BE49-F238E27FC236}">
-                <a16:creationId xmlns:a16="http://schemas.microsoft.com/office/drawing/2014/main" id="{E5A99874-CD90-43C4-B479-8B01FBD1639B}"/>
+                <a16:creationId xmlns:a16="http://schemas.microsoft.com/office/drawing/2014/main" id="{8F8E4E54-7CFF-4369-BB5E-007BC9E1FB68}"/>
               </a:ext>
             </a:extLst>
           </p:cNvPr>
-          <p:cNvSpPr txBox="1"/>
-          <p:nvPr/>
+          <p:cNvSpPr>
+            <a:spLocks noGrp="1"/>
+          </p:cNvSpPr>
+          <p:nvPr>
+            <p:ph type="title"/>
+          </p:nvPr>
         </p:nvSpPr>
         <p:spPr>
           <a:xfrm>
-            <a:off x="838200" y="2067206"/>
-            <a:ext cx="10887634" cy="4031873"/>
+            <a:off x="3153335" y="2766218"/>
+            <a:ext cx="5885329" cy="1325563"/>
           </a:xfrm>
-          <a:prstGeom prst="rect">
-            <a:avLst/>
-          </a:prstGeom>
-          <a:noFill/>
         </p:spPr>
         <p:txBody>
-          <a:bodyPr rot="0" spcFirstLastPara="0" vertOverflow="overflow" horzOverflow="overflow" vert="horz" wrap="square" lIns="91440" tIns="45720" rIns="91440" bIns="45720" numCol="1" spcCol="0" rtlCol="0" fromWordArt="0" anchor="t" anchorCtr="0" forceAA="0" compatLnSpc="1">
-            <a:prstTxWarp prst="textNoShape">
-              <a:avLst/>
-            </a:prstTxWarp>
-            <a:spAutoFit/>
+          <a:bodyPr>
+            <a:normAutofit/>
           </a:bodyPr>
           <a:lstStyle/>
           <a:p>
-            <a:pPr algn="l"/>
-            <a:r>
-              <a:rPr lang="ja-JP" altLang="en-US" sz="3200" b="1">
-                <a:latin typeface="メイリオ"/>
-                <a:ea typeface="メイリオ"/>
-              </a:rPr>
-              <a:t>開発当初は初めてAI技術を利用するということでワクワクした。しかし開発を進めていくほど、CustomVisionでの画像認識の方法・結果情報の送信など問題が山積みになり、開発の沼にズルズルと呑まれてしまった。</a:t>
-            </a:r>
-            <a:endParaRPr lang="en-US" altLang="ja-JP" sz="3200" b="1">
-              <a:latin typeface="メイリオ"/>
-              <a:ea typeface="メイリオ"/>
-            </a:endParaRPr>
-          </a:p>
-          <a:p>
-            <a:pPr algn="l"/>
-            <a:r>
-              <a:rPr lang="ja-JP" altLang="en-US" sz="3200" b="1">
-                <a:latin typeface="メイリオ"/>
-                <a:ea typeface="メイリオ"/>
-              </a:rPr>
-              <a:t>開発中盤から詰みに近い状態だったが、機能を分割して考え作業をしたことで、完璧とは言えないが予定していた機能まで実装できた。</a:t>
-            </a:r>
-          </a:p>
-          <a:p>
-            <a:endParaRPr lang="ja-JP" altLang="en-US" sz="3200" b="1" dirty="0">
-              <a:latin typeface="メイリオ" panose="020B0604030504040204" pitchFamily="50" charset="-128"/>
-              <a:ea typeface="メイリオ" panose="020B0604030504040204" pitchFamily="50" charset="-128"/>
-            </a:endParaRPr>
-          </a:p>
-        </p:txBody>
-      </p:sp>
-      <p:sp>
-        <p:nvSpPr>
-          <p:cNvPr id="3" name="タイトル 2">
-            <a:extLst>
-              <a:ext uri="{FF2B5EF4-FFF2-40B4-BE49-F238E27FC236}">
-                <a16:creationId xmlns:a16="http://schemas.microsoft.com/office/drawing/2014/main" id="{122E46A7-1F4D-4413-A50A-04F4A84F5A91}"/>
-              </a:ext>
-            </a:extLst>
-          </p:cNvPr>
-          <p:cNvSpPr>
-            <a:spLocks noGrp="1"/>
-          </p:cNvSpPr>
-          <p:nvPr>
-            <p:ph type="title"/>
-          </p:nvPr>
-        </p:nvSpPr>
-        <p:spPr/>
-        <p:txBody>
-          <a:bodyPr/>
-          <a:lstStyle/>
-          <a:p>
-            <a:r>
-              <a:rPr lang="ja-JP" altLang="en-US" b="1" dirty="0">
+            <a:pPr algn="ctr"/>
+            <a:r>
+              <a:rPr kumimoji="1" lang="ja-JP" altLang="en-US" sz="4000" b="1" dirty="0">
                 <a:latin typeface="メイリオ" panose="020B0604030504040204" pitchFamily="50" charset="-128"/>
                 <a:ea typeface="メイリオ" panose="020B0604030504040204" pitchFamily="50" charset="-128"/>
               </a:rPr>
-              <a:t>開発を通しての所感</a:t>
+              <a:t>デモンストレーション</a:t>
             </a:r>
           </a:p>
         </p:txBody>
@@ -8891,7 +10026,7 @@
     </p:spTree>
     <p:extLst>
       <p:ext uri="{BB962C8B-B14F-4D97-AF65-F5344CB8AC3E}">
-        <p14:creationId xmlns:p14="http://schemas.microsoft.com/office/powerpoint/2010/main" val="3427737051"/>
+        <p14:creationId xmlns:p14="http://schemas.microsoft.com/office/powerpoint/2010/main" val="683103669"/>
       </p:ext>
     </p:extLst>
   </p:cSld>
@@ -8920,10 +10055,10 @@
       </p:grpSpPr>
       <p:sp>
         <p:nvSpPr>
-          <p:cNvPr id="3" name="テキスト ボックス 2">
+          <p:cNvPr id="2" name="テキスト ボックス 1">
             <a:extLst>
               <a:ext uri="{FF2B5EF4-FFF2-40B4-BE49-F238E27FC236}">
-                <a16:creationId xmlns:a16="http://schemas.microsoft.com/office/drawing/2014/main" id="{164A2AE4-02E5-445C-9B89-786707DA4288}"/>
+                <a16:creationId xmlns:a16="http://schemas.microsoft.com/office/drawing/2014/main" id="{E5A99874-CD90-43C4-B479-8B01FBD1639B}"/>
               </a:ext>
             </a:extLst>
           </p:cNvPr>
@@ -8932,8 +10067,8 @@
         </p:nvSpPr>
         <p:spPr>
           <a:xfrm>
-            <a:off x="838200" y="2072495"/>
-            <a:ext cx="11353800" cy="4493538"/>
+            <a:off x="838200" y="2067206"/>
+            <a:ext cx="10887634" cy="4031873"/>
           </a:xfrm>
           <a:prstGeom prst="rect">
             <a:avLst/>
@@ -8949,153 +10084,43 @@
           </a:bodyPr>
           <a:lstStyle/>
           <a:p>
-            <a:r>
-              <a:rPr lang="ja-JP" altLang="en-US" sz="3200" b="1">
+            <a:pPr algn="l"/>
+            <a:r>
+              <a:rPr lang="ja-JP" altLang="en-US" sz="3200" b="1" dirty="0">
                 <a:latin typeface="メイリオ"/>
                 <a:ea typeface="メイリオ"/>
               </a:rPr>
-              <a:t>①顧客の要望から商品数や種類を絞り、商品提案の機能</a:t>
-            </a:r>
-            <a:endParaRPr lang="en-US" altLang="ja-JP" sz="3200" b="1">
+              <a:t>開発当初は初めてAI技術を利用するということでワクワクした。しかし開発を進めていくほど、CustomVisionでの画像認識の方法・結果情報の送信など問題が山積みになり、開発の沼に呑まれてしまった。</a:t>
+            </a:r>
+            <a:endParaRPr lang="en-US" altLang="ja-JP" sz="3200" b="1" dirty="0">
               <a:latin typeface="メイリオ"/>
               <a:ea typeface="メイリオ"/>
             </a:endParaRPr>
           </a:p>
           <a:p>
-            <a:r>
-              <a:rPr lang="ja-JP" altLang="en-US" sz="3200" b="1">
+            <a:pPr algn="l"/>
+            <a:r>
+              <a:rPr lang="ja-JP" altLang="en-US" sz="3200" b="1" dirty="0">
                 <a:latin typeface="メイリオ"/>
                 <a:ea typeface="メイリオ"/>
               </a:rPr>
-              <a:t>　⇒店員の商品提案に関する負担減を図る</a:t>
-            </a:r>
-            <a:endParaRPr lang="en-US" altLang="ja-JP" sz="3200" b="1">
-              <a:latin typeface="メイリオ"/>
-              <a:ea typeface="メイリオ"/>
-            </a:endParaRPr>
-          </a:p>
-          <a:p>
-            <a:endParaRPr lang="ja-JP" altLang="en-US" sz="1000" b="1" dirty="0">
+              <a:t>開発中盤から詰みに近い状態だったが、機能を分割して作業をすすめたことで、完璧とは言えないが予定していた機能まで実装ができた。</a:t>
+            </a:r>
+          </a:p>
+          <a:p>
+            <a:endParaRPr lang="ja-JP" altLang="en-US" sz="3200" b="1" dirty="0">
               <a:latin typeface="メイリオ" panose="020B0604030504040204" pitchFamily="50" charset="-128"/>
               <a:ea typeface="メイリオ" panose="020B0604030504040204" pitchFamily="50" charset="-128"/>
             </a:endParaRPr>
           </a:p>
-          <a:p>
-            <a:r>
-              <a:rPr lang="ja-JP" altLang="en-US" sz="3200" b="1">
-                <a:latin typeface="メイリオ"/>
-                <a:ea typeface="メイリオ"/>
-              </a:rPr>
-              <a:t>②在庫が少ない商品の告知機能</a:t>
-            </a:r>
-            <a:endParaRPr lang="en-US" altLang="ja-JP" sz="3200" b="1">
-              <a:latin typeface="メイリオ"/>
-              <a:ea typeface="メイリオ"/>
-            </a:endParaRPr>
-          </a:p>
-          <a:p>
-            <a:r>
-              <a:rPr lang="ja-JP" altLang="en-US" sz="3200" b="1" dirty="0">
-                <a:latin typeface="メイリオ" panose="020B0604030504040204" pitchFamily="50" charset="-128"/>
-                <a:ea typeface="メイリオ" panose="020B0604030504040204" pitchFamily="50" charset="-128"/>
-              </a:rPr>
-              <a:t>　⇒迅速な商品補充の実現</a:t>
-            </a:r>
-            <a:endParaRPr lang="en-US" altLang="ja-JP" sz="3200" b="1" dirty="0">
-              <a:latin typeface="メイリオ" panose="020B0604030504040204" pitchFamily="50" charset="-128"/>
-              <a:ea typeface="メイリオ" panose="020B0604030504040204" pitchFamily="50" charset="-128"/>
-            </a:endParaRPr>
-          </a:p>
-          <a:p>
-            <a:endParaRPr lang="ja-JP" sz="1000" b="1" dirty="0">
-              <a:latin typeface="メイリオ" panose="020B0604030504040204" pitchFamily="50" charset="-128"/>
-              <a:ea typeface="メイリオ" panose="020B0604030504040204" pitchFamily="50" charset="-128"/>
-            </a:endParaRPr>
-          </a:p>
-          <a:p>
-            <a:r>
-              <a:rPr lang="ja-JP" altLang="en-US" sz="3200" b="1">
-                <a:latin typeface="メイリオ"/>
-                <a:ea typeface="メイリオ"/>
-              </a:rPr>
-              <a:t>③時間帯ごとの売上を記録する機能</a:t>
-            </a:r>
-            <a:endParaRPr lang="en-US" altLang="ja-JP" sz="3200" b="1">
-              <a:latin typeface="メイリオ"/>
-              <a:ea typeface="メイリオ"/>
-            </a:endParaRPr>
-          </a:p>
-          <a:p>
-            <a:r>
-              <a:rPr lang="ja-JP" altLang="en-US" sz="3200" b="1">
-                <a:latin typeface="メイリオ"/>
-                <a:ea typeface="メイリオ"/>
-              </a:rPr>
-              <a:t>　⇒</a:t>
-            </a:r>
-            <a:r>
-              <a:rPr lang="ja-JP" altLang="en-US" sz="3200" b="1">
-                <a:latin typeface="メイリオ"/>
-                <a:ea typeface="メイリオ"/>
-                <a:cs typeface="+mn-lt"/>
-              </a:rPr>
-              <a:t>売上</a:t>
-            </a:r>
-            <a:r>
-              <a:rPr lang="ja-JP" sz="3200" b="1">
-                <a:ea typeface="+mn-lt"/>
-                <a:cs typeface="+mn-lt"/>
-              </a:rPr>
-              <a:t>商品数を参考に</a:t>
-            </a:r>
-            <a:r>
-              <a:rPr lang="ja-JP" altLang="en-US" sz="3200" b="1">
-                <a:latin typeface="メイリオ"/>
-                <a:ea typeface="メイリオ"/>
-              </a:rPr>
-              <a:t>商品の廃棄数減を図る</a:t>
-            </a:r>
-            <a:endParaRPr lang="en-US" altLang="ja-JP" sz="3200" b="1" dirty="0">
-              <a:latin typeface="メイリオ" panose="020B0604030504040204" pitchFamily="50" charset="-128"/>
-              <a:ea typeface="メイリオ" panose="020B0604030504040204" pitchFamily="50" charset="-128"/>
-            </a:endParaRPr>
-          </a:p>
-          <a:p>
-            <a:endParaRPr lang="ja-JP" altLang="en-US" sz="1000" b="1" dirty="0">
-              <a:latin typeface="メイリオ" panose="020B0604030504040204" pitchFamily="50" charset="-128"/>
-              <a:ea typeface="メイリオ" panose="020B0604030504040204" pitchFamily="50" charset="-128"/>
-            </a:endParaRPr>
-          </a:p>
-          <a:p>
-            <a:r>
-              <a:rPr lang="ja-JP" altLang="en-US" sz="3200" b="1">
-                <a:latin typeface="メイリオ"/>
-                <a:ea typeface="メイリオ"/>
-              </a:rPr>
-              <a:t>④商品予約情報の管理機能</a:t>
-            </a:r>
-            <a:endParaRPr lang="en-US" altLang="ja-JP" sz="3200" b="1" dirty="0">
-              <a:latin typeface="メイリオ" panose="020B0604030504040204" pitchFamily="50" charset="-128"/>
-              <a:ea typeface="メイリオ" panose="020B0604030504040204" pitchFamily="50" charset="-128"/>
-            </a:endParaRPr>
-          </a:p>
-          <a:p>
-            <a:r>
-              <a:rPr lang="ja-JP" altLang="en-US" sz="3200" b="1">
-                <a:latin typeface="メイリオ"/>
-                <a:ea typeface="メイリオ"/>
-              </a:rPr>
-              <a:t>　⇒材料の発注管理を容易にする</a:t>
-            </a:r>
-          </a:p>
-        </p:txBody>
-      </p:sp>
-      <p:sp>
-        <p:nvSpPr>
-          <p:cNvPr id="2" name="タイトル 1">
+        </p:txBody>
+      </p:sp>
+      <p:sp>
+        <p:nvSpPr>
+          <p:cNvPr id="3" name="タイトル 2">
             <a:extLst>
               <a:ext uri="{FF2B5EF4-FFF2-40B4-BE49-F238E27FC236}">
-                <a16:creationId xmlns:a16="http://schemas.microsoft.com/office/drawing/2014/main" id="{DC5F44FF-A267-449A-9C0A-AED84F93D2FF}"/>
+                <a16:creationId xmlns:a16="http://schemas.microsoft.com/office/drawing/2014/main" id="{122E46A7-1F4D-4413-A50A-04F4A84F5A91}"/>
               </a:ext>
             </a:extLst>
           </p:cNvPr>
@@ -9116,7 +10141,7 @@
                 <a:latin typeface="メイリオ" panose="020B0604030504040204" pitchFamily="50" charset="-128"/>
                 <a:ea typeface="メイリオ" panose="020B0604030504040204" pitchFamily="50" charset="-128"/>
               </a:rPr>
-              <a:t>今後の展望</a:t>
+              <a:t>開発を通しての所感</a:t>
             </a:r>
           </a:p>
         </p:txBody>
@@ -9124,565 +10149,13 @@
     </p:spTree>
     <p:extLst>
       <p:ext uri="{BB962C8B-B14F-4D97-AF65-F5344CB8AC3E}">
-        <p14:creationId xmlns:p14="http://schemas.microsoft.com/office/powerpoint/2010/main" val="3435611388"/>
+        <p14:creationId xmlns:p14="http://schemas.microsoft.com/office/powerpoint/2010/main" val="3427737051"/>
       </p:ext>
     </p:extLst>
   </p:cSld>
   <p:clrMapOvr>
     <a:masterClrMapping/>
   </p:clrMapOvr>
-  <p:timing>
-    <p:tnLst>
-      <p:par>
-        <p:cTn id="1" dur="indefinite" restart="never" nodeType="tmRoot">
-          <p:childTnLst>
-            <p:seq concurrent="1" nextAc="seek">
-              <p:cTn id="2" dur="indefinite" nodeType="mainSeq">
-                <p:childTnLst>
-                  <p:par>
-                    <p:cTn id="3" fill="hold">
-                      <p:stCondLst>
-                        <p:cond delay="indefinite"/>
-                      </p:stCondLst>
-                      <p:childTnLst>
-                        <p:par>
-                          <p:cTn id="4" fill="hold">
-                            <p:stCondLst>
-                              <p:cond delay="0"/>
-                            </p:stCondLst>
-                            <p:childTnLst>
-                              <p:par>
-                                <p:cTn id="5" presetID="3" presetClass="emph" presetSubtype="2" fill="hold" nodeType="clickEffect">
-                                  <p:stCondLst>
-                                    <p:cond delay="0"/>
-                                  </p:stCondLst>
-                                  <p:childTnLst>
-                                    <p:animClr clrSpc="rgb" dir="cw">
-                                      <p:cBhvr override="childStyle">
-                                        <p:cTn id="6" dur="10" fill="hold"/>
-                                        <p:tgtEl>
-                                          <p:spTgt spid="3">
-                                            <p:txEl>
-                                              <p:pRg st="0" end="0"/>
-                                            </p:txEl>
-                                          </p:spTgt>
-                                        </p:tgtEl>
-                                        <p:attrNameLst>
-                                          <p:attrName>style.color</p:attrName>
-                                        </p:attrNameLst>
-                                      </p:cBhvr>
-                                      <p:to>
-                                        <a:srgbClr val="FF0000"/>
-                                      </p:to>
-                                    </p:animClr>
-                                  </p:childTnLst>
-                                </p:cTn>
-                              </p:par>
-                            </p:childTnLst>
-                          </p:cTn>
-                        </p:par>
-                      </p:childTnLst>
-                    </p:cTn>
-                  </p:par>
-                  <p:par>
-                    <p:cTn id="7" fill="hold">
-                      <p:stCondLst>
-                        <p:cond delay="indefinite"/>
-                      </p:stCondLst>
-                      <p:childTnLst>
-                        <p:par>
-                          <p:cTn id="8" fill="hold">
-                            <p:stCondLst>
-                              <p:cond delay="0"/>
-                            </p:stCondLst>
-                            <p:childTnLst>
-                              <p:par>
-                                <p:cTn id="9" presetID="3" presetClass="emph" presetSubtype="2" fill="hold" nodeType="clickEffect">
-                                  <p:stCondLst>
-                                    <p:cond delay="0"/>
-                                  </p:stCondLst>
-                                  <p:childTnLst>
-                                    <p:animClr clrSpc="rgb" dir="cw">
-                                      <p:cBhvr override="childStyle">
-                                        <p:cTn id="10" dur="10" fill="hold"/>
-                                        <p:tgtEl>
-                                          <p:spTgt spid="3">
-                                            <p:txEl>
-                                              <p:pRg st="1" end="1"/>
-                                            </p:txEl>
-                                          </p:spTgt>
-                                        </p:tgtEl>
-                                        <p:attrNameLst>
-                                          <p:attrName>style.color</p:attrName>
-                                        </p:attrNameLst>
-                                      </p:cBhvr>
-                                      <p:to>
-                                        <a:srgbClr val="FF0000"/>
-                                      </p:to>
-                                    </p:animClr>
-                                  </p:childTnLst>
-                                </p:cTn>
-                              </p:par>
-                            </p:childTnLst>
-                          </p:cTn>
-                        </p:par>
-                      </p:childTnLst>
-                    </p:cTn>
-                  </p:par>
-                  <p:par>
-                    <p:cTn id="11" fill="hold">
-                      <p:stCondLst>
-                        <p:cond delay="indefinite"/>
-                      </p:stCondLst>
-                      <p:childTnLst>
-                        <p:par>
-                          <p:cTn id="12" fill="hold">
-                            <p:stCondLst>
-                              <p:cond delay="0"/>
-                            </p:stCondLst>
-                            <p:childTnLst>
-                              <p:par>
-                                <p:cTn id="13" presetID="3" presetClass="emph" presetSubtype="2" fill="hold" nodeType="clickEffect">
-                                  <p:stCondLst>
-                                    <p:cond delay="0"/>
-                                  </p:stCondLst>
-                                  <p:childTnLst>
-                                    <p:animClr clrSpc="rgb" dir="cw">
-                                      <p:cBhvr override="childStyle">
-                                        <p:cTn id="14" dur="10" fill="hold"/>
-                                        <p:tgtEl>
-                                          <p:spTgt spid="3">
-                                            <p:txEl>
-                                              <p:pRg st="3" end="3"/>
-                                            </p:txEl>
-                                          </p:spTgt>
-                                        </p:tgtEl>
-                                        <p:attrNameLst>
-                                          <p:attrName>style.color</p:attrName>
-                                        </p:attrNameLst>
-                                      </p:cBhvr>
-                                      <p:to>
-                                        <a:srgbClr val="FF0000"/>
-                                      </p:to>
-                                    </p:animClr>
-                                  </p:childTnLst>
-                                </p:cTn>
-                              </p:par>
-                              <p:par>
-                                <p:cTn id="15" presetID="3" presetClass="emph" presetSubtype="2" fill="hold" nodeType="withEffect">
-                                  <p:stCondLst>
-                                    <p:cond delay="0"/>
-                                  </p:stCondLst>
-                                  <p:childTnLst>
-                                    <p:animClr clrSpc="rgb" dir="cw">
-                                      <p:cBhvr override="childStyle">
-                                        <p:cTn id="16" dur="10" fill="hold"/>
-                                        <p:tgtEl>
-                                          <p:spTgt spid="3">
-                                            <p:txEl>
-                                              <p:pRg st="0" end="0"/>
-                                            </p:txEl>
-                                          </p:spTgt>
-                                        </p:tgtEl>
-                                        <p:attrNameLst>
-                                          <p:attrName>style.color</p:attrName>
-                                        </p:attrNameLst>
-                                      </p:cBhvr>
-                                      <p:to>
-                                        <a:srgbClr val="000000"/>
-                                      </p:to>
-                                    </p:animClr>
-                                  </p:childTnLst>
-                                </p:cTn>
-                              </p:par>
-                              <p:par>
-                                <p:cTn id="17" presetID="3" presetClass="emph" presetSubtype="2" fill="hold" nodeType="withEffect">
-                                  <p:stCondLst>
-                                    <p:cond delay="0"/>
-                                  </p:stCondLst>
-                                  <p:childTnLst>
-                                    <p:animClr clrSpc="rgb" dir="cw">
-                                      <p:cBhvr override="childStyle">
-                                        <p:cTn id="18" dur="10" fill="hold"/>
-                                        <p:tgtEl>
-                                          <p:spTgt spid="3">
-                                            <p:txEl>
-                                              <p:pRg st="1" end="1"/>
-                                            </p:txEl>
-                                          </p:spTgt>
-                                        </p:tgtEl>
-                                        <p:attrNameLst>
-                                          <p:attrName>style.color</p:attrName>
-                                        </p:attrNameLst>
-                                      </p:cBhvr>
-                                      <p:to>
-                                        <a:srgbClr val="000000"/>
-                                      </p:to>
-                                    </p:animClr>
-                                  </p:childTnLst>
-                                </p:cTn>
-                              </p:par>
-                            </p:childTnLst>
-                          </p:cTn>
-                        </p:par>
-                      </p:childTnLst>
-                    </p:cTn>
-                  </p:par>
-                  <p:par>
-                    <p:cTn id="19" fill="hold">
-                      <p:stCondLst>
-                        <p:cond delay="indefinite"/>
-                      </p:stCondLst>
-                      <p:childTnLst>
-                        <p:par>
-                          <p:cTn id="20" fill="hold">
-                            <p:stCondLst>
-                              <p:cond delay="0"/>
-                            </p:stCondLst>
-                            <p:childTnLst>
-                              <p:par>
-                                <p:cTn id="21" presetID="3" presetClass="emph" presetSubtype="2" fill="hold" nodeType="clickEffect">
-                                  <p:stCondLst>
-                                    <p:cond delay="0"/>
-                                  </p:stCondLst>
-                                  <p:childTnLst>
-                                    <p:animClr clrSpc="rgb" dir="cw">
-                                      <p:cBhvr override="childStyle">
-                                        <p:cTn id="22" dur="10" fill="hold"/>
-                                        <p:tgtEl>
-                                          <p:spTgt spid="3">
-                                            <p:txEl>
-                                              <p:pRg st="4" end="4"/>
-                                            </p:txEl>
-                                          </p:spTgt>
-                                        </p:tgtEl>
-                                        <p:attrNameLst>
-                                          <p:attrName>style.color</p:attrName>
-                                        </p:attrNameLst>
-                                      </p:cBhvr>
-                                      <p:to>
-                                        <a:srgbClr val="FF0000"/>
-                                      </p:to>
-                                    </p:animClr>
-                                  </p:childTnLst>
-                                </p:cTn>
-                              </p:par>
-                            </p:childTnLst>
-                          </p:cTn>
-                        </p:par>
-                      </p:childTnLst>
-                    </p:cTn>
-                  </p:par>
-                  <p:par>
-                    <p:cTn id="23" fill="hold">
-                      <p:stCondLst>
-                        <p:cond delay="indefinite"/>
-                      </p:stCondLst>
-                      <p:childTnLst>
-                        <p:par>
-                          <p:cTn id="24" fill="hold">
-                            <p:stCondLst>
-                              <p:cond delay="0"/>
-                            </p:stCondLst>
-                            <p:childTnLst>
-                              <p:par>
-                                <p:cTn id="25" presetID="3" presetClass="emph" presetSubtype="2" fill="hold" nodeType="clickEffect">
-                                  <p:stCondLst>
-                                    <p:cond delay="0"/>
-                                  </p:stCondLst>
-                                  <p:childTnLst>
-                                    <p:animClr clrSpc="rgb" dir="cw">
-                                      <p:cBhvr override="childStyle">
-                                        <p:cTn id="26" dur="10" fill="hold"/>
-                                        <p:tgtEl>
-                                          <p:spTgt spid="3">
-                                            <p:txEl>
-                                              <p:pRg st="6" end="6"/>
-                                            </p:txEl>
-                                          </p:spTgt>
-                                        </p:tgtEl>
-                                        <p:attrNameLst>
-                                          <p:attrName>style.color</p:attrName>
-                                        </p:attrNameLst>
-                                      </p:cBhvr>
-                                      <p:to>
-                                        <a:srgbClr val="FF0000"/>
-                                      </p:to>
-                                    </p:animClr>
-                                  </p:childTnLst>
-                                </p:cTn>
-                              </p:par>
-                            </p:childTnLst>
-                          </p:cTn>
-                        </p:par>
-                      </p:childTnLst>
-                    </p:cTn>
-                  </p:par>
-                  <p:par>
-                    <p:cTn id="27" fill="hold">
-                      <p:stCondLst>
-                        <p:cond delay="indefinite"/>
-                      </p:stCondLst>
-                      <p:childTnLst>
-                        <p:par>
-                          <p:cTn id="28" fill="hold">
-                            <p:stCondLst>
-                              <p:cond delay="0"/>
-                            </p:stCondLst>
-                            <p:childTnLst>
-                              <p:par>
-                                <p:cTn id="29" presetID="3" presetClass="emph" presetSubtype="2" fill="hold" nodeType="clickEffect">
-                                  <p:stCondLst>
-                                    <p:cond delay="0"/>
-                                  </p:stCondLst>
-                                  <p:childTnLst>
-                                    <p:animClr clrSpc="rgb" dir="cw">
-                                      <p:cBhvr override="childStyle">
-                                        <p:cTn id="30" dur="10" fill="hold"/>
-                                        <p:tgtEl>
-                                          <p:spTgt spid="3">
-                                            <p:txEl>
-                                              <p:pRg st="7" end="7"/>
-                                            </p:txEl>
-                                          </p:spTgt>
-                                        </p:tgtEl>
-                                        <p:attrNameLst>
-                                          <p:attrName>style.color</p:attrName>
-                                        </p:attrNameLst>
-                                      </p:cBhvr>
-                                      <p:to>
-                                        <a:srgbClr val="FF0000"/>
-                                      </p:to>
-                                    </p:animClr>
-                                  </p:childTnLst>
-                                </p:cTn>
-                              </p:par>
-                              <p:par>
-                                <p:cTn id="31" presetID="3" presetClass="emph" presetSubtype="2" fill="hold" nodeType="withEffect">
-                                  <p:stCondLst>
-                                    <p:cond delay="0"/>
-                                  </p:stCondLst>
-                                  <p:childTnLst>
-                                    <p:animClr clrSpc="rgb" dir="cw">
-                                      <p:cBhvr override="childStyle">
-                                        <p:cTn id="32" dur="10" fill="hold"/>
-                                        <p:tgtEl>
-                                          <p:spTgt spid="3">
-                                            <p:txEl>
-                                              <p:pRg st="3" end="3"/>
-                                            </p:txEl>
-                                          </p:spTgt>
-                                        </p:tgtEl>
-                                        <p:attrNameLst>
-                                          <p:attrName>style.color</p:attrName>
-                                        </p:attrNameLst>
-                                      </p:cBhvr>
-                                      <p:to>
-                                        <a:srgbClr val="000000"/>
-                                      </p:to>
-                                    </p:animClr>
-                                  </p:childTnLst>
-                                </p:cTn>
-                              </p:par>
-                              <p:par>
-                                <p:cTn id="33" presetID="3" presetClass="emph" presetSubtype="2" fill="hold" nodeType="withEffect">
-                                  <p:stCondLst>
-                                    <p:cond delay="0"/>
-                                  </p:stCondLst>
-                                  <p:childTnLst>
-                                    <p:animClr clrSpc="rgb" dir="cw">
-                                      <p:cBhvr override="childStyle">
-                                        <p:cTn id="34" dur="10" fill="hold"/>
-                                        <p:tgtEl>
-                                          <p:spTgt spid="3">
-                                            <p:txEl>
-                                              <p:pRg st="4" end="4"/>
-                                            </p:txEl>
-                                          </p:spTgt>
-                                        </p:tgtEl>
-                                        <p:attrNameLst>
-                                          <p:attrName>style.color</p:attrName>
-                                        </p:attrNameLst>
-                                      </p:cBhvr>
-                                      <p:to>
-                                        <a:srgbClr val="000000"/>
-                                      </p:to>
-                                    </p:animClr>
-                                  </p:childTnLst>
-                                </p:cTn>
-                              </p:par>
-                            </p:childTnLst>
-                          </p:cTn>
-                        </p:par>
-                      </p:childTnLst>
-                    </p:cTn>
-                  </p:par>
-                  <p:par>
-                    <p:cTn id="35" fill="hold">
-                      <p:stCondLst>
-                        <p:cond delay="indefinite"/>
-                      </p:stCondLst>
-                      <p:childTnLst>
-                        <p:par>
-                          <p:cTn id="36" fill="hold">
-                            <p:stCondLst>
-                              <p:cond delay="0"/>
-                            </p:stCondLst>
-                            <p:childTnLst>
-                              <p:par>
-                                <p:cTn id="37" presetID="3" presetClass="emph" presetSubtype="2" fill="hold" nodeType="clickEffect">
-                                  <p:stCondLst>
-                                    <p:cond delay="0"/>
-                                  </p:stCondLst>
-                                  <p:childTnLst>
-                                    <p:animClr clrSpc="rgb" dir="cw">
-                                      <p:cBhvr override="childStyle">
-                                        <p:cTn id="38" dur="10" fill="hold"/>
-                                        <p:tgtEl>
-                                          <p:spTgt spid="3">
-                                            <p:txEl>
-                                              <p:pRg st="9" end="9"/>
-                                            </p:txEl>
-                                          </p:spTgt>
-                                        </p:tgtEl>
-                                        <p:attrNameLst>
-                                          <p:attrName>style.color</p:attrName>
-                                        </p:attrNameLst>
-                                      </p:cBhvr>
-                                      <p:to>
-                                        <a:srgbClr val="FF0000"/>
-                                      </p:to>
-                                    </p:animClr>
-                                  </p:childTnLst>
-                                </p:cTn>
-                              </p:par>
-                              <p:par>
-                                <p:cTn id="39" presetID="3" presetClass="emph" presetSubtype="2" fill="hold" nodeType="withEffect">
-                                  <p:stCondLst>
-                                    <p:cond delay="0"/>
-                                  </p:stCondLst>
-                                  <p:childTnLst>
-                                    <p:animClr clrSpc="rgb" dir="cw">
-                                      <p:cBhvr override="childStyle">
-                                        <p:cTn id="40" dur="10" fill="hold"/>
-                                        <p:tgtEl>
-                                          <p:spTgt spid="3">
-                                            <p:txEl>
-                                              <p:pRg st="6" end="6"/>
-                                            </p:txEl>
-                                          </p:spTgt>
-                                        </p:tgtEl>
-                                        <p:attrNameLst>
-                                          <p:attrName>style.color</p:attrName>
-                                        </p:attrNameLst>
-                                      </p:cBhvr>
-                                      <p:to>
-                                        <a:srgbClr val="000000"/>
-                                      </p:to>
-                                    </p:animClr>
-                                  </p:childTnLst>
-                                </p:cTn>
-                              </p:par>
-                              <p:par>
-                                <p:cTn id="41" presetID="3" presetClass="emph" presetSubtype="2" fill="hold" nodeType="withEffect">
-                                  <p:stCondLst>
-                                    <p:cond delay="0"/>
-                                  </p:stCondLst>
-                                  <p:childTnLst>
-                                    <p:animClr clrSpc="rgb" dir="cw">
-                                      <p:cBhvr override="childStyle">
-                                        <p:cTn id="42" dur="10" fill="hold"/>
-                                        <p:tgtEl>
-                                          <p:spTgt spid="3">
-                                            <p:txEl>
-                                              <p:pRg st="7" end="7"/>
-                                            </p:txEl>
-                                          </p:spTgt>
-                                        </p:tgtEl>
-                                        <p:attrNameLst>
-                                          <p:attrName>style.color</p:attrName>
-                                        </p:attrNameLst>
-                                      </p:cBhvr>
-                                      <p:to>
-                                        <a:srgbClr val="000000"/>
-                                      </p:to>
-                                    </p:animClr>
-                                  </p:childTnLst>
-                                </p:cTn>
-                              </p:par>
-                            </p:childTnLst>
-                          </p:cTn>
-                        </p:par>
-                      </p:childTnLst>
-                    </p:cTn>
-                  </p:par>
-                  <p:par>
-                    <p:cTn id="43" fill="hold">
-                      <p:stCondLst>
-                        <p:cond delay="indefinite"/>
-                      </p:stCondLst>
-                      <p:childTnLst>
-                        <p:par>
-                          <p:cTn id="44" fill="hold">
-                            <p:stCondLst>
-                              <p:cond delay="0"/>
-                            </p:stCondLst>
-                            <p:childTnLst>
-                              <p:par>
-                                <p:cTn id="45" presetID="3" presetClass="emph" presetSubtype="2" fill="hold" nodeType="clickEffect">
-                                  <p:stCondLst>
-                                    <p:cond delay="0"/>
-                                  </p:stCondLst>
-                                  <p:childTnLst>
-                                    <p:animClr clrSpc="rgb" dir="cw">
-                                      <p:cBhvr override="childStyle">
-                                        <p:cTn id="46" dur="10" fill="hold"/>
-                                        <p:tgtEl>
-                                          <p:spTgt spid="3">
-                                            <p:txEl>
-                                              <p:pRg st="10" end="10"/>
-                                            </p:txEl>
-                                          </p:spTgt>
-                                        </p:tgtEl>
-                                        <p:attrNameLst>
-                                          <p:attrName>style.color</p:attrName>
-                                        </p:attrNameLst>
-                                      </p:cBhvr>
-                                      <p:to>
-                                        <a:srgbClr val="FF0000"/>
-                                      </p:to>
-                                    </p:animClr>
-                                  </p:childTnLst>
-                                </p:cTn>
-                              </p:par>
-                            </p:childTnLst>
-                          </p:cTn>
-                        </p:par>
-                      </p:childTnLst>
-                    </p:cTn>
-                  </p:par>
-                </p:childTnLst>
-              </p:cTn>
-              <p:prevCondLst>
-                <p:cond evt="onPrev" delay="0">
-                  <p:tgtEl>
-                    <p:sldTgt/>
-                  </p:tgtEl>
-                </p:cond>
-              </p:prevCondLst>
-              <p:nextCondLst>
-                <p:cond evt="onNext" delay="0">
-                  <p:tgtEl>
-                    <p:sldTgt/>
-                  </p:tgtEl>
-                </p:cond>
-              </p:nextCondLst>
-            </p:seq>
-          </p:childTnLst>
-        </p:cTn>
-      </p:par>
-    </p:tnLst>
-  </p:timing>
 </p:sld>
 </file>
 
